--- a/Presentation/AtariBreakout_Presentation.pptx
+++ b/Presentation/AtariBreakout_Presentation.pptx
@@ -2,19 +2,25 @@
 <file path=ppt/presentation.xml><?xml version="1.0" encoding="utf-8"?>
 <p:presentation xmlns:a="http://schemas.openxmlformats.org/drawingml/2006/main" xmlns:r="http://schemas.openxmlformats.org/officeDocument/2006/relationships" xmlns:p="http://schemas.openxmlformats.org/presentationml/2006/main" saveSubsetFonts="1">
   <p:sldMasterIdLst>
-    <p:sldMasterId id="2147483660" r:id="rId4"/>
+    <p:sldMasterId id="2147483660" r:id="rId1"/>
   </p:sldMasterIdLst>
   <p:sldIdLst>
-    <p:sldId id="256" r:id="rId5"/>
-    <p:sldId id="266" r:id="rId6"/>
-    <p:sldId id="257" r:id="rId7"/>
-    <p:sldId id="258" r:id="rId8"/>
-    <p:sldId id="259" r:id="rId9"/>
-    <p:sldId id="260" r:id="rId10"/>
-    <p:sldId id="261" r:id="rId11"/>
-    <p:sldId id="265" r:id="rId12"/>
-    <p:sldId id="263" r:id="rId13"/>
-    <p:sldId id="264" r:id="rId14"/>
+    <p:sldId id="256" r:id="rId2"/>
+    <p:sldId id="257" r:id="rId3"/>
+    <p:sldId id="258" r:id="rId4"/>
+    <p:sldId id="267" r:id="rId5"/>
+    <p:sldId id="260" r:id="rId6"/>
+    <p:sldId id="261" r:id="rId7"/>
+    <p:sldId id="263" r:id="rId8"/>
+    <p:sldId id="265" r:id="rId9"/>
+    <p:sldId id="266" r:id="rId10"/>
+    <p:sldId id="268" r:id="rId11"/>
+    <p:sldId id="269" r:id="rId12"/>
+    <p:sldId id="270" r:id="rId13"/>
+    <p:sldId id="271" r:id="rId14"/>
+    <p:sldId id="272" r:id="rId15"/>
+    <p:sldId id="262" r:id="rId16"/>
+    <p:sldId id="273" r:id="rId17"/>
   </p:sldIdLst>
   <p:sldSz cx="12192000" cy="6858000"/>
   <p:notesSz cx="6858000" cy="9144000"/>
@@ -250,11 +256,11 @@
           <a:bodyPr/>
           <a:lstStyle/>
           <a:p>
-            <a:fld id="{59321CC8-8351-4BD4-8999-FEE875A0DC4C}" type="datetimeFigureOut">
-              <a:rPr lang="en-GB" smtClean="0"/>
-              <a:t>20/01/2023</a:t>
+            <a:fld id="{F9859ABE-7B6C-457E-AF30-4D53F297CB21}" type="datetimeFigureOut">
+              <a:rPr lang="en-US" smtClean="0"/>
+              <a:t>1/20/2023</a:t>
             </a:fld>
-            <a:endParaRPr lang="en-GB"/>
+            <a:endParaRPr lang="en-US"/>
           </a:p>
         </p:txBody>
       </p:sp>
@@ -273,7 +279,7 @@
           <a:bodyPr/>
           <a:lstStyle/>
           <a:p>
-            <a:endParaRPr lang="en-GB"/>
+            <a:endParaRPr lang="en-US"/>
           </a:p>
         </p:txBody>
       </p:sp>
@@ -292,18 +298,18 @@
           <a:bodyPr/>
           <a:lstStyle/>
           <a:p>
-            <a:fld id="{03BFF182-E195-4B75-9FDB-605019239B76}" type="slidenum">
-              <a:rPr lang="en-GB" smtClean="0"/>
+            <a:fld id="{42D6ABE4-E377-41AB-BF5A-2B5A47E0C2D8}" type="slidenum">
+              <a:rPr lang="en-US" smtClean="0"/>
               <a:t>‹Nr.›</a:t>
             </a:fld>
-            <a:endParaRPr lang="en-GB"/>
+            <a:endParaRPr lang="en-US"/>
           </a:p>
         </p:txBody>
       </p:sp>
     </p:spTree>
     <p:extLst>
       <p:ext uri="{BB962C8B-B14F-4D97-AF65-F5344CB8AC3E}">
-        <p14:creationId xmlns:p14="http://schemas.microsoft.com/office/powerpoint/2010/main" val="4132453892"/>
+        <p14:creationId xmlns:p14="http://schemas.microsoft.com/office/powerpoint/2010/main" val="2181871793"/>
       </p:ext>
     </p:extLst>
   </p:cSld>
@@ -420,11 +426,11 @@
           <a:bodyPr/>
           <a:lstStyle/>
           <a:p>
-            <a:fld id="{59321CC8-8351-4BD4-8999-FEE875A0DC4C}" type="datetimeFigureOut">
-              <a:rPr lang="en-GB" smtClean="0"/>
-              <a:t>20/01/2023</a:t>
+            <a:fld id="{F9859ABE-7B6C-457E-AF30-4D53F297CB21}" type="datetimeFigureOut">
+              <a:rPr lang="en-US" smtClean="0"/>
+              <a:t>1/20/2023</a:t>
             </a:fld>
-            <a:endParaRPr lang="en-GB"/>
+            <a:endParaRPr lang="en-US"/>
           </a:p>
         </p:txBody>
       </p:sp>
@@ -443,7 +449,7 @@
           <a:bodyPr/>
           <a:lstStyle/>
           <a:p>
-            <a:endParaRPr lang="en-GB"/>
+            <a:endParaRPr lang="en-US"/>
           </a:p>
         </p:txBody>
       </p:sp>
@@ -462,18 +468,18 @@
           <a:bodyPr/>
           <a:lstStyle/>
           <a:p>
-            <a:fld id="{03BFF182-E195-4B75-9FDB-605019239B76}" type="slidenum">
-              <a:rPr lang="en-GB" smtClean="0"/>
+            <a:fld id="{42D6ABE4-E377-41AB-BF5A-2B5A47E0C2D8}" type="slidenum">
+              <a:rPr lang="en-US" smtClean="0"/>
               <a:t>‹Nr.›</a:t>
             </a:fld>
-            <a:endParaRPr lang="en-GB"/>
+            <a:endParaRPr lang="en-US"/>
           </a:p>
         </p:txBody>
       </p:sp>
     </p:spTree>
     <p:extLst>
       <p:ext uri="{BB962C8B-B14F-4D97-AF65-F5344CB8AC3E}">
-        <p14:creationId xmlns:p14="http://schemas.microsoft.com/office/powerpoint/2010/main" val="3527986136"/>
+        <p14:creationId xmlns:p14="http://schemas.microsoft.com/office/powerpoint/2010/main" val="3721906114"/>
       </p:ext>
     </p:extLst>
   </p:cSld>
@@ -600,11 +606,11 @@
           <a:bodyPr/>
           <a:lstStyle/>
           <a:p>
-            <a:fld id="{59321CC8-8351-4BD4-8999-FEE875A0DC4C}" type="datetimeFigureOut">
-              <a:rPr lang="en-GB" smtClean="0"/>
-              <a:t>20/01/2023</a:t>
+            <a:fld id="{F9859ABE-7B6C-457E-AF30-4D53F297CB21}" type="datetimeFigureOut">
+              <a:rPr lang="en-US" smtClean="0"/>
+              <a:t>1/20/2023</a:t>
             </a:fld>
-            <a:endParaRPr lang="en-GB"/>
+            <a:endParaRPr lang="en-US"/>
           </a:p>
         </p:txBody>
       </p:sp>
@@ -623,7 +629,7 @@
           <a:bodyPr/>
           <a:lstStyle/>
           <a:p>
-            <a:endParaRPr lang="en-GB"/>
+            <a:endParaRPr lang="en-US"/>
           </a:p>
         </p:txBody>
       </p:sp>
@@ -642,18 +648,18 @@
           <a:bodyPr/>
           <a:lstStyle/>
           <a:p>
-            <a:fld id="{03BFF182-E195-4B75-9FDB-605019239B76}" type="slidenum">
-              <a:rPr lang="en-GB" smtClean="0"/>
+            <a:fld id="{42D6ABE4-E377-41AB-BF5A-2B5A47E0C2D8}" type="slidenum">
+              <a:rPr lang="en-US" smtClean="0"/>
               <a:t>‹Nr.›</a:t>
             </a:fld>
-            <a:endParaRPr lang="en-GB"/>
+            <a:endParaRPr lang="en-US"/>
           </a:p>
         </p:txBody>
       </p:sp>
     </p:spTree>
     <p:extLst>
       <p:ext uri="{BB962C8B-B14F-4D97-AF65-F5344CB8AC3E}">
-        <p14:creationId xmlns:p14="http://schemas.microsoft.com/office/powerpoint/2010/main" val="3110586773"/>
+        <p14:creationId xmlns:p14="http://schemas.microsoft.com/office/powerpoint/2010/main" val="263544444"/>
       </p:ext>
     </p:extLst>
   </p:cSld>
@@ -770,11 +776,11 @@
           <a:bodyPr/>
           <a:lstStyle/>
           <a:p>
-            <a:fld id="{59321CC8-8351-4BD4-8999-FEE875A0DC4C}" type="datetimeFigureOut">
-              <a:rPr lang="en-GB" smtClean="0"/>
-              <a:t>20/01/2023</a:t>
+            <a:fld id="{F9859ABE-7B6C-457E-AF30-4D53F297CB21}" type="datetimeFigureOut">
+              <a:rPr lang="en-US" smtClean="0"/>
+              <a:t>1/20/2023</a:t>
             </a:fld>
-            <a:endParaRPr lang="en-GB"/>
+            <a:endParaRPr lang="en-US"/>
           </a:p>
         </p:txBody>
       </p:sp>
@@ -793,7 +799,7 @@
           <a:bodyPr/>
           <a:lstStyle/>
           <a:p>
-            <a:endParaRPr lang="en-GB"/>
+            <a:endParaRPr lang="en-US"/>
           </a:p>
         </p:txBody>
       </p:sp>
@@ -812,18 +818,18 @@
           <a:bodyPr/>
           <a:lstStyle/>
           <a:p>
-            <a:fld id="{03BFF182-E195-4B75-9FDB-605019239B76}" type="slidenum">
-              <a:rPr lang="en-GB" smtClean="0"/>
+            <a:fld id="{42D6ABE4-E377-41AB-BF5A-2B5A47E0C2D8}" type="slidenum">
+              <a:rPr lang="en-US" smtClean="0"/>
               <a:t>‹Nr.›</a:t>
             </a:fld>
-            <a:endParaRPr lang="en-GB"/>
+            <a:endParaRPr lang="en-US"/>
           </a:p>
         </p:txBody>
       </p:sp>
     </p:spTree>
     <p:extLst>
       <p:ext uri="{BB962C8B-B14F-4D97-AF65-F5344CB8AC3E}">
-        <p14:creationId xmlns:p14="http://schemas.microsoft.com/office/powerpoint/2010/main" val="1656220850"/>
+        <p14:creationId xmlns:p14="http://schemas.microsoft.com/office/powerpoint/2010/main" val="3381115172"/>
       </p:ext>
     </p:extLst>
   </p:cSld>
@@ -1016,11 +1022,11 @@
           <a:bodyPr/>
           <a:lstStyle/>
           <a:p>
-            <a:fld id="{59321CC8-8351-4BD4-8999-FEE875A0DC4C}" type="datetimeFigureOut">
-              <a:rPr lang="en-GB" smtClean="0"/>
-              <a:t>20/01/2023</a:t>
+            <a:fld id="{F9859ABE-7B6C-457E-AF30-4D53F297CB21}" type="datetimeFigureOut">
+              <a:rPr lang="en-US" smtClean="0"/>
+              <a:t>1/20/2023</a:t>
             </a:fld>
-            <a:endParaRPr lang="en-GB"/>
+            <a:endParaRPr lang="en-US"/>
           </a:p>
         </p:txBody>
       </p:sp>
@@ -1039,7 +1045,7 @@
           <a:bodyPr/>
           <a:lstStyle/>
           <a:p>
-            <a:endParaRPr lang="en-GB"/>
+            <a:endParaRPr lang="en-US"/>
           </a:p>
         </p:txBody>
       </p:sp>
@@ -1058,18 +1064,18 @@
           <a:bodyPr/>
           <a:lstStyle/>
           <a:p>
-            <a:fld id="{03BFF182-E195-4B75-9FDB-605019239B76}" type="slidenum">
-              <a:rPr lang="en-GB" smtClean="0"/>
+            <a:fld id="{42D6ABE4-E377-41AB-BF5A-2B5A47E0C2D8}" type="slidenum">
+              <a:rPr lang="en-US" smtClean="0"/>
               <a:t>‹Nr.›</a:t>
             </a:fld>
-            <a:endParaRPr lang="en-GB"/>
+            <a:endParaRPr lang="en-US"/>
           </a:p>
         </p:txBody>
       </p:sp>
     </p:spTree>
     <p:extLst>
       <p:ext uri="{BB962C8B-B14F-4D97-AF65-F5344CB8AC3E}">
-        <p14:creationId xmlns:p14="http://schemas.microsoft.com/office/powerpoint/2010/main" val="1050066314"/>
+        <p14:creationId xmlns:p14="http://schemas.microsoft.com/office/powerpoint/2010/main" val="2696522665"/>
       </p:ext>
     </p:extLst>
   </p:cSld>
@@ -1248,11 +1254,11 @@
           <a:bodyPr/>
           <a:lstStyle/>
           <a:p>
-            <a:fld id="{59321CC8-8351-4BD4-8999-FEE875A0DC4C}" type="datetimeFigureOut">
-              <a:rPr lang="en-GB" smtClean="0"/>
-              <a:t>20/01/2023</a:t>
+            <a:fld id="{F9859ABE-7B6C-457E-AF30-4D53F297CB21}" type="datetimeFigureOut">
+              <a:rPr lang="en-US" smtClean="0"/>
+              <a:t>1/20/2023</a:t>
             </a:fld>
-            <a:endParaRPr lang="en-GB"/>
+            <a:endParaRPr lang="en-US"/>
           </a:p>
         </p:txBody>
       </p:sp>
@@ -1271,7 +1277,7 @@
           <a:bodyPr/>
           <a:lstStyle/>
           <a:p>
-            <a:endParaRPr lang="en-GB"/>
+            <a:endParaRPr lang="en-US"/>
           </a:p>
         </p:txBody>
       </p:sp>
@@ -1290,18 +1296,18 @@
           <a:bodyPr/>
           <a:lstStyle/>
           <a:p>
-            <a:fld id="{03BFF182-E195-4B75-9FDB-605019239B76}" type="slidenum">
-              <a:rPr lang="en-GB" smtClean="0"/>
+            <a:fld id="{42D6ABE4-E377-41AB-BF5A-2B5A47E0C2D8}" type="slidenum">
+              <a:rPr lang="en-US" smtClean="0"/>
               <a:t>‹Nr.›</a:t>
             </a:fld>
-            <a:endParaRPr lang="en-GB"/>
+            <a:endParaRPr lang="en-US"/>
           </a:p>
         </p:txBody>
       </p:sp>
     </p:spTree>
     <p:extLst>
       <p:ext uri="{BB962C8B-B14F-4D97-AF65-F5344CB8AC3E}">
-        <p14:creationId xmlns:p14="http://schemas.microsoft.com/office/powerpoint/2010/main" val="1696959542"/>
+        <p14:creationId xmlns:p14="http://schemas.microsoft.com/office/powerpoint/2010/main" val="3618681011"/>
       </p:ext>
     </p:extLst>
   </p:cSld>
@@ -1615,11 +1621,11 @@
           <a:bodyPr/>
           <a:lstStyle/>
           <a:p>
-            <a:fld id="{59321CC8-8351-4BD4-8999-FEE875A0DC4C}" type="datetimeFigureOut">
-              <a:rPr lang="en-GB" smtClean="0"/>
-              <a:t>20/01/2023</a:t>
+            <a:fld id="{F9859ABE-7B6C-457E-AF30-4D53F297CB21}" type="datetimeFigureOut">
+              <a:rPr lang="en-US" smtClean="0"/>
+              <a:t>1/20/2023</a:t>
             </a:fld>
-            <a:endParaRPr lang="en-GB"/>
+            <a:endParaRPr lang="en-US"/>
           </a:p>
         </p:txBody>
       </p:sp>
@@ -1638,7 +1644,7 @@
           <a:bodyPr/>
           <a:lstStyle/>
           <a:p>
-            <a:endParaRPr lang="en-GB"/>
+            <a:endParaRPr lang="en-US"/>
           </a:p>
         </p:txBody>
       </p:sp>
@@ -1657,18 +1663,18 @@
           <a:bodyPr/>
           <a:lstStyle/>
           <a:p>
-            <a:fld id="{03BFF182-E195-4B75-9FDB-605019239B76}" type="slidenum">
-              <a:rPr lang="en-GB" smtClean="0"/>
+            <a:fld id="{42D6ABE4-E377-41AB-BF5A-2B5A47E0C2D8}" type="slidenum">
+              <a:rPr lang="en-US" smtClean="0"/>
               <a:t>‹Nr.›</a:t>
             </a:fld>
-            <a:endParaRPr lang="en-GB"/>
+            <a:endParaRPr lang="en-US"/>
           </a:p>
         </p:txBody>
       </p:sp>
     </p:spTree>
     <p:extLst>
       <p:ext uri="{BB962C8B-B14F-4D97-AF65-F5344CB8AC3E}">
-        <p14:creationId xmlns:p14="http://schemas.microsoft.com/office/powerpoint/2010/main" val="3513676751"/>
+        <p14:creationId xmlns:p14="http://schemas.microsoft.com/office/powerpoint/2010/main" val="3465692253"/>
       </p:ext>
     </p:extLst>
   </p:cSld>
@@ -1733,11 +1739,11 @@
           <a:bodyPr/>
           <a:lstStyle/>
           <a:p>
-            <a:fld id="{59321CC8-8351-4BD4-8999-FEE875A0DC4C}" type="datetimeFigureOut">
-              <a:rPr lang="en-GB" smtClean="0"/>
-              <a:t>20/01/2023</a:t>
+            <a:fld id="{F9859ABE-7B6C-457E-AF30-4D53F297CB21}" type="datetimeFigureOut">
+              <a:rPr lang="en-US" smtClean="0"/>
+              <a:t>1/20/2023</a:t>
             </a:fld>
-            <a:endParaRPr lang="en-GB"/>
+            <a:endParaRPr lang="en-US"/>
           </a:p>
         </p:txBody>
       </p:sp>
@@ -1756,7 +1762,7 @@
           <a:bodyPr/>
           <a:lstStyle/>
           <a:p>
-            <a:endParaRPr lang="en-GB"/>
+            <a:endParaRPr lang="en-US"/>
           </a:p>
         </p:txBody>
       </p:sp>
@@ -1775,18 +1781,18 @@
           <a:bodyPr/>
           <a:lstStyle/>
           <a:p>
-            <a:fld id="{03BFF182-E195-4B75-9FDB-605019239B76}" type="slidenum">
-              <a:rPr lang="en-GB" smtClean="0"/>
+            <a:fld id="{42D6ABE4-E377-41AB-BF5A-2B5A47E0C2D8}" type="slidenum">
+              <a:rPr lang="en-US" smtClean="0"/>
               <a:t>‹Nr.›</a:t>
             </a:fld>
-            <a:endParaRPr lang="en-GB"/>
+            <a:endParaRPr lang="en-US"/>
           </a:p>
         </p:txBody>
       </p:sp>
     </p:spTree>
     <p:extLst>
       <p:ext uri="{BB962C8B-B14F-4D97-AF65-F5344CB8AC3E}">
-        <p14:creationId xmlns:p14="http://schemas.microsoft.com/office/powerpoint/2010/main" val="3254777802"/>
+        <p14:creationId xmlns:p14="http://schemas.microsoft.com/office/powerpoint/2010/main" val="906271132"/>
       </p:ext>
     </p:extLst>
   </p:cSld>
@@ -1828,11 +1834,11 @@
           <a:bodyPr/>
           <a:lstStyle/>
           <a:p>
-            <a:fld id="{59321CC8-8351-4BD4-8999-FEE875A0DC4C}" type="datetimeFigureOut">
-              <a:rPr lang="en-GB" smtClean="0"/>
-              <a:t>20/01/2023</a:t>
+            <a:fld id="{F9859ABE-7B6C-457E-AF30-4D53F297CB21}" type="datetimeFigureOut">
+              <a:rPr lang="en-US" smtClean="0"/>
+              <a:t>1/20/2023</a:t>
             </a:fld>
-            <a:endParaRPr lang="en-GB"/>
+            <a:endParaRPr lang="en-US"/>
           </a:p>
         </p:txBody>
       </p:sp>
@@ -1851,7 +1857,7 @@
           <a:bodyPr/>
           <a:lstStyle/>
           <a:p>
-            <a:endParaRPr lang="en-GB"/>
+            <a:endParaRPr lang="en-US"/>
           </a:p>
         </p:txBody>
       </p:sp>
@@ -1870,18 +1876,18 @@
           <a:bodyPr/>
           <a:lstStyle/>
           <a:p>
-            <a:fld id="{03BFF182-E195-4B75-9FDB-605019239B76}" type="slidenum">
-              <a:rPr lang="en-GB" smtClean="0"/>
+            <a:fld id="{42D6ABE4-E377-41AB-BF5A-2B5A47E0C2D8}" type="slidenum">
+              <a:rPr lang="en-US" smtClean="0"/>
               <a:t>‹Nr.›</a:t>
             </a:fld>
-            <a:endParaRPr lang="en-GB"/>
+            <a:endParaRPr lang="en-US"/>
           </a:p>
         </p:txBody>
       </p:sp>
     </p:spTree>
     <p:extLst>
       <p:ext uri="{BB962C8B-B14F-4D97-AF65-F5344CB8AC3E}">
-        <p14:creationId xmlns:p14="http://schemas.microsoft.com/office/powerpoint/2010/main" val="147267877"/>
+        <p14:creationId xmlns:p14="http://schemas.microsoft.com/office/powerpoint/2010/main" val="3878763996"/>
       </p:ext>
     </p:extLst>
   </p:cSld>
@@ -2105,11 +2111,11 @@
           <a:bodyPr/>
           <a:lstStyle/>
           <a:p>
-            <a:fld id="{59321CC8-8351-4BD4-8999-FEE875A0DC4C}" type="datetimeFigureOut">
-              <a:rPr lang="en-GB" smtClean="0"/>
-              <a:t>20/01/2023</a:t>
+            <a:fld id="{F9859ABE-7B6C-457E-AF30-4D53F297CB21}" type="datetimeFigureOut">
+              <a:rPr lang="en-US" smtClean="0"/>
+              <a:t>1/20/2023</a:t>
             </a:fld>
-            <a:endParaRPr lang="en-GB"/>
+            <a:endParaRPr lang="en-US"/>
           </a:p>
         </p:txBody>
       </p:sp>
@@ -2128,7 +2134,7 @@
           <a:bodyPr/>
           <a:lstStyle/>
           <a:p>
-            <a:endParaRPr lang="en-GB"/>
+            <a:endParaRPr lang="en-US"/>
           </a:p>
         </p:txBody>
       </p:sp>
@@ -2147,18 +2153,18 @@
           <a:bodyPr/>
           <a:lstStyle/>
           <a:p>
-            <a:fld id="{03BFF182-E195-4B75-9FDB-605019239B76}" type="slidenum">
-              <a:rPr lang="en-GB" smtClean="0"/>
+            <a:fld id="{42D6ABE4-E377-41AB-BF5A-2B5A47E0C2D8}" type="slidenum">
+              <a:rPr lang="en-US" smtClean="0"/>
               <a:t>‹Nr.›</a:t>
             </a:fld>
-            <a:endParaRPr lang="en-GB"/>
+            <a:endParaRPr lang="en-US"/>
           </a:p>
         </p:txBody>
       </p:sp>
     </p:spTree>
     <p:extLst>
       <p:ext uri="{BB962C8B-B14F-4D97-AF65-F5344CB8AC3E}">
-        <p14:creationId xmlns:p14="http://schemas.microsoft.com/office/powerpoint/2010/main" val="2146368231"/>
+        <p14:creationId xmlns:p14="http://schemas.microsoft.com/office/powerpoint/2010/main" val="784225200"/>
       </p:ext>
     </p:extLst>
   </p:cSld>
@@ -2362,11 +2368,11 @@
           <a:bodyPr/>
           <a:lstStyle/>
           <a:p>
-            <a:fld id="{59321CC8-8351-4BD4-8999-FEE875A0DC4C}" type="datetimeFigureOut">
-              <a:rPr lang="en-GB" smtClean="0"/>
-              <a:t>20/01/2023</a:t>
+            <a:fld id="{F9859ABE-7B6C-457E-AF30-4D53F297CB21}" type="datetimeFigureOut">
+              <a:rPr lang="en-US" smtClean="0"/>
+              <a:t>1/20/2023</a:t>
             </a:fld>
-            <a:endParaRPr lang="en-GB"/>
+            <a:endParaRPr lang="en-US"/>
           </a:p>
         </p:txBody>
       </p:sp>
@@ -2385,7 +2391,7 @@
           <a:bodyPr/>
           <a:lstStyle/>
           <a:p>
-            <a:endParaRPr lang="en-GB"/>
+            <a:endParaRPr lang="en-US"/>
           </a:p>
         </p:txBody>
       </p:sp>
@@ -2404,18 +2410,18 @@
           <a:bodyPr/>
           <a:lstStyle/>
           <a:p>
-            <a:fld id="{03BFF182-E195-4B75-9FDB-605019239B76}" type="slidenum">
-              <a:rPr lang="en-GB" smtClean="0"/>
+            <a:fld id="{42D6ABE4-E377-41AB-BF5A-2B5A47E0C2D8}" type="slidenum">
+              <a:rPr lang="en-US" smtClean="0"/>
               <a:t>‹Nr.›</a:t>
             </a:fld>
-            <a:endParaRPr lang="en-GB"/>
+            <a:endParaRPr lang="en-US"/>
           </a:p>
         </p:txBody>
       </p:sp>
     </p:spTree>
     <p:extLst>
       <p:ext uri="{BB962C8B-B14F-4D97-AF65-F5344CB8AC3E}">
-        <p14:creationId xmlns:p14="http://schemas.microsoft.com/office/powerpoint/2010/main" val="1189689398"/>
+        <p14:creationId xmlns:p14="http://schemas.microsoft.com/office/powerpoint/2010/main" val="1519428826"/>
       </p:ext>
     </p:extLst>
   </p:cSld>
@@ -2575,11 +2581,11 @@
             </a:lvl1pPr>
           </a:lstStyle>
           <a:p>
-            <a:fld id="{59321CC8-8351-4BD4-8999-FEE875A0DC4C}" type="datetimeFigureOut">
-              <a:rPr lang="en-GB" smtClean="0"/>
-              <a:t>20/01/2023</a:t>
+            <a:fld id="{F9859ABE-7B6C-457E-AF30-4D53F297CB21}" type="datetimeFigureOut">
+              <a:rPr lang="en-US" smtClean="0"/>
+              <a:t>1/20/2023</a:t>
             </a:fld>
-            <a:endParaRPr lang="en-GB"/>
+            <a:endParaRPr lang="en-US"/>
           </a:p>
         </p:txBody>
       </p:sp>
@@ -2616,7 +2622,7 @@
             </a:lvl1pPr>
           </a:lstStyle>
           <a:p>
-            <a:endParaRPr lang="en-GB"/>
+            <a:endParaRPr lang="en-US"/>
           </a:p>
         </p:txBody>
       </p:sp>
@@ -2653,18 +2659,18 @@
             </a:lvl1pPr>
           </a:lstStyle>
           <a:p>
-            <a:fld id="{03BFF182-E195-4B75-9FDB-605019239B76}" type="slidenum">
-              <a:rPr lang="en-GB" smtClean="0"/>
+            <a:fld id="{42D6ABE4-E377-41AB-BF5A-2B5A47E0C2D8}" type="slidenum">
+              <a:rPr lang="en-US" smtClean="0"/>
               <a:t>‹Nr.›</a:t>
             </a:fld>
-            <a:endParaRPr lang="en-GB"/>
+            <a:endParaRPr lang="en-US"/>
           </a:p>
         </p:txBody>
       </p:sp>
     </p:spTree>
     <p:extLst>
       <p:ext uri="{BB962C8B-B14F-4D97-AF65-F5344CB8AC3E}">
-        <p14:creationId xmlns:p14="http://schemas.microsoft.com/office/powerpoint/2010/main" val="878189535"/>
+        <p14:creationId xmlns:p14="http://schemas.microsoft.com/office/powerpoint/2010/main" val="2317205242"/>
       </p:ext>
     </p:extLst>
   </p:cSld>
@@ -2968,14 +2974,6 @@
 <file path=ppt/slides/slide1.xml><?xml version="1.0" encoding="utf-8"?>
 <p:sld xmlns:a="http://schemas.openxmlformats.org/drawingml/2006/main" xmlns:r="http://schemas.openxmlformats.org/officeDocument/2006/relationships" xmlns:p="http://schemas.openxmlformats.org/presentationml/2006/main">
   <p:cSld>
-    <p:bg>
-      <p:bgPr>
-        <a:solidFill>
-          <a:schemeClr val="bg1"/>
-        </a:solidFill>
-        <a:effectLst/>
-      </p:bgPr>
-    </p:bg>
     <p:spTree>
       <p:nvGrpSpPr>
         <p:cNvPr id="1" name=""/>
@@ -2990,41 +2988,60 @@
           <a:chExt cx="0" cy="0"/>
         </a:xfrm>
       </p:grpSpPr>
-      <p:pic>
-        <p:nvPicPr>
-          <p:cNvPr id="5" name="Picture 4">
+      <p:sp>
+        <p:nvSpPr>
+          <p:cNvPr id="2" name="Titel 1">
             <a:extLst>
               <a:ext uri="{FF2B5EF4-FFF2-40B4-BE49-F238E27FC236}">
-                <a16:creationId xmlns:a16="http://schemas.microsoft.com/office/drawing/2014/main" id="{F25BB8C4-55D3-8985-4B31-4A89F1AA2EB8}"/>
+                <a16:creationId xmlns:a16="http://schemas.microsoft.com/office/drawing/2014/main" id="{BDC96613-5641-4DA0-9657-B6DAA4827B16}"/>
               </a:ext>
             </a:extLst>
           </p:cNvPr>
-          <p:cNvPicPr>
-            <a:picLocks noChangeAspect="1"/>
-          </p:cNvPicPr>
-          <p:nvPr/>
-        </p:nvPicPr>
-        <p:blipFill rotWithShape="1">
-          <a:blip r:embed="rId2"/>
-          <a:srcRect r="-2" b="6263"/>
-          <a:stretch/>
-        </p:blipFill>
-        <p:spPr>
-          <a:xfrm>
-            <a:off x="-3047" y="10"/>
-            <a:ext cx="12191999" cy="6857990"/>
-          </a:xfrm>
-          <a:prstGeom prst="rect">
-            <a:avLst/>
-          </a:prstGeom>
-        </p:spPr>
-      </p:pic>
-      <p:sp>
-        <p:nvSpPr>
-          <p:cNvPr id="2" name="Titel 1">
+          <p:cNvSpPr>
+            <a:spLocks noGrp="1"/>
+          </p:cNvSpPr>
+          <p:nvPr>
+            <p:ph type="ctrTitle"/>
+          </p:nvPr>
+        </p:nvSpPr>
+        <p:spPr/>
+        <p:txBody>
+          <a:bodyPr/>
+          <a:lstStyle/>
+          <a:p>
+            <a:r>
+              <a:rPr lang="en-GB" b="1" dirty="0" err="1">
+                <a:solidFill>
+                  <a:srgbClr val="FFFFFF"/>
+                </a:solidFill>
+              </a:rPr>
+              <a:t>Microbit:Projekt</a:t>
+            </a:r>
+            <a:br>
+              <a:rPr lang="en-GB" b="1" dirty="0">
+                <a:solidFill>
+                  <a:srgbClr val="FFFFFF"/>
+                </a:solidFill>
+              </a:rPr>
+            </a:br>
+            <a:r>
+              <a:rPr lang="en-GB" b="1" dirty="0">
+                <a:solidFill>
+                  <a:srgbClr val="FFFFFF"/>
+                </a:solidFill>
+              </a:rPr>
+              <a:t>Atari Breakout</a:t>
+            </a:r>
+            <a:endParaRPr lang="en-US" dirty="0"/>
+          </a:p>
+        </p:txBody>
+      </p:sp>
+      <p:sp>
+        <p:nvSpPr>
+          <p:cNvPr id="3" name="Untertitel 2">
             <a:extLst>
               <a:ext uri="{FF2B5EF4-FFF2-40B4-BE49-F238E27FC236}">
-                <a16:creationId xmlns:a16="http://schemas.microsoft.com/office/drawing/2014/main" id="{362B1A8F-6D59-3D84-FA9B-D05AAA70AD6C}"/>
+                <a16:creationId xmlns:a16="http://schemas.microsoft.com/office/drawing/2014/main" id="{BEA1A71A-9DA5-4115-A334-D9F6A399F456}"/>
               </a:ext>
             </a:extLst>
           </p:cNvPr>
@@ -3032,286 +3049,78 @@
             <a:spLocks noGrp="1"/>
           </p:cNvSpPr>
           <p:nvPr>
-            <p:ph type="ctrTitle"/>
-          </p:nvPr>
-        </p:nvSpPr>
-        <p:spPr>
-          <a:xfrm>
-            <a:off x="1097280" y="325550"/>
-            <a:ext cx="10058400" cy="3574778"/>
-          </a:xfrm>
-          <a:effectLst>
-            <a:outerShdw blurRad="50800" dist="38100" dir="2700000" algn="tl" rotWithShape="0">
-              <a:prstClr val="black">
-                <a:alpha val="40000"/>
-              </a:prstClr>
-            </a:outerShdw>
-          </a:effectLst>
-        </p:spPr>
-        <p:txBody>
-          <a:bodyPr>
-            <a:normAutofit/>
-          </a:bodyPr>
-          <a:lstStyle/>
-          <a:p>
-            <a:r>
-              <a:rPr lang="en-GB" sz="5200" b="1" dirty="0" err="1">
+            <p:ph type="subTitle" idx="1"/>
+          </p:nvPr>
+        </p:nvSpPr>
+        <p:spPr/>
+        <p:txBody>
+          <a:bodyPr/>
+          <a:lstStyle/>
+          <a:p>
+            <a:r>
+              <a:rPr lang="en-GB" dirty="0" err="1">
                 <a:solidFill>
                   <a:srgbClr val="FFFFFF"/>
                 </a:solidFill>
               </a:rPr>
-              <a:t>Microbit:Projekt</a:t>
-            </a:r>
-            <a:br>
-              <a:rPr lang="en-GB" sz="5200" b="1" dirty="0">
+              <a:t>Projekt</a:t>
+            </a:r>
+            <a:r>
+              <a:rPr lang="en-GB" dirty="0">
                 <a:solidFill>
                   <a:srgbClr val="FFFFFF"/>
                 </a:solidFill>
               </a:rPr>
-            </a:br>
-            <a:r>
-              <a:rPr lang="en-GB" sz="5200" b="1" dirty="0">
+              <a:t> of: Jan Nägeli &amp; David </a:t>
+            </a:r>
+            <a:r>
+              <a:rPr lang="en-GB" dirty="0" err="1">
                 <a:solidFill>
                   <a:srgbClr val="FFFFFF"/>
                 </a:solidFill>
               </a:rPr>
-              <a:t>Atari Breakout</a:t>
-            </a:r>
-            <a:endParaRPr lang="en-GB" sz="5200" b="1" dirty="0"/>
-          </a:p>
-        </p:txBody>
-      </p:sp>
-      <p:sp>
-        <p:nvSpPr>
-          <p:cNvPr id="3" name="Untertitel 2">
-            <a:extLst>
-              <a:ext uri="{FF2B5EF4-FFF2-40B4-BE49-F238E27FC236}">
-                <a16:creationId xmlns:a16="http://schemas.microsoft.com/office/drawing/2014/main" id="{0F0DB5CF-B1FD-7075-091A-AFD296F0C760}"/>
-              </a:ext>
-            </a:extLst>
-          </p:cNvPr>
-          <p:cNvSpPr>
-            <a:spLocks noGrp="1"/>
-          </p:cNvSpPr>
-          <p:nvPr>
-            <p:ph type="subTitle" idx="1"/>
-          </p:nvPr>
-        </p:nvSpPr>
-        <p:spPr>
-          <a:xfrm>
-            <a:off x="1100051" y="4072043"/>
-            <a:ext cx="10058400" cy="1282707"/>
-          </a:xfrm>
-          <a:effectLst>
-            <a:outerShdw blurRad="50800" dist="38100" dir="2700000" algn="tl" rotWithShape="0">
-              <a:prstClr val="black">
-                <a:alpha val="40000"/>
-              </a:prstClr>
-            </a:outerShdw>
-          </a:effectLst>
-        </p:spPr>
-        <p:txBody>
-          <a:bodyPr vert="horz" lIns="91440" tIns="45720" rIns="91440" bIns="45720" rtlCol="0" anchor="t">
-            <a:normAutofit/>
-          </a:bodyPr>
-          <a:lstStyle/>
-          <a:p>
-            <a:r>
-              <a:rPr lang="en-GB">
-                <a:solidFill>
-                  <a:srgbClr val="FFFFFF"/>
-                </a:solidFill>
-              </a:rPr>
-              <a:t>Projekt of: Jan </a:t>
-            </a:r>
-            <a:r>
-              <a:rPr lang="en-GB" err="1">
-                <a:solidFill>
-                  <a:srgbClr val="FFFFFF"/>
-                </a:solidFill>
-              </a:rPr>
-              <a:t>Nägeli</a:t>
-            </a:r>
-            <a:r>
-              <a:rPr lang="en-GB">
-                <a:solidFill>
-                  <a:srgbClr val="FFFFFF"/>
-                </a:solidFill>
-              </a:rPr>
-              <a:t> &amp; David Coso</a:t>
-            </a:r>
-            <a:endParaRPr lang="en-GB">
+              <a:t>Coso</a:t>
+            </a:r>
+            <a:endParaRPr lang="en-GB" dirty="0">
               <a:solidFill>
                 <a:srgbClr val="FFFFFF"/>
               </a:solidFill>
               <a:cs typeface="Calibri"/>
             </a:endParaRPr>
           </a:p>
+          <a:p>
+            <a:endParaRPr lang="en-US" dirty="0"/>
+          </a:p>
         </p:txBody>
       </p:sp>
     </p:spTree>
     <p:extLst>
       <p:ext uri="{BB962C8B-B14F-4D97-AF65-F5344CB8AC3E}">
-        <p14:creationId xmlns:p14="http://schemas.microsoft.com/office/powerpoint/2010/main" val="1528506616"/>
+        <p14:creationId xmlns:p14="http://schemas.microsoft.com/office/powerpoint/2010/main" val="3278062276"/>
       </p:ext>
     </p:extLst>
   </p:cSld>
   <p:clrMapOvr>
     <a:masterClrMapping/>
   </p:clrMapOvr>
-  <p:timing>
-    <p:tnLst>
-      <p:par>
-        <p:cTn id="1" dur="indefinite" restart="never" nodeType="tmRoot">
-          <p:childTnLst>
-            <p:seq concurrent="1" nextAc="seek">
-              <p:cTn id="2" dur="indefinite" nodeType="mainSeq">
-                <p:childTnLst>
-                  <p:par>
-                    <p:cTn id="3" fill="hold">
-                      <p:stCondLst>
-                        <p:cond delay="indefinite"/>
-                        <p:cond evt="onBegin" delay="0">
-                          <p:tn val="2"/>
-                        </p:cond>
-                      </p:stCondLst>
-                      <p:childTnLst>
-                        <p:par>
-                          <p:cTn id="4" fill="hold">
-                            <p:stCondLst>
-                              <p:cond delay="0"/>
-                            </p:stCondLst>
-                            <p:childTnLst>
-                              <p:par>
-                                <p:cTn id="5" presetID="10" presetClass="entr" presetSubtype="0" fill="hold" grpId="0" nodeType="withEffect">
-                                  <p:stCondLst>
-                                    <p:cond delay="2000"/>
-                                  </p:stCondLst>
-                                  <p:iterate type="lt">
-                                    <p:tmPct val="10000"/>
-                                  </p:iterate>
-                                  <p:childTnLst>
-                                    <p:set>
-                                      <p:cBhvr>
-                                        <p:cTn id="6" dur="1" fill="hold">
-                                          <p:stCondLst>
-                                            <p:cond delay="0"/>
-                                          </p:stCondLst>
-                                        </p:cTn>
-                                        <p:tgtEl>
-                                          <p:spTgt spid="3">
-                                            <p:txEl>
-                                              <p:pRg st="0" end="0"/>
-                                            </p:txEl>
-                                          </p:spTgt>
-                                        </p:tgtEl>
-                                        <p:attrNameLst>
-                                          <p:attrName>style.visibility</p:attrName>
-                                        </p:attrNameLst>
-                                      </p:cBhvr>
-                                      <p:to>
-                                        <p:strVal val="visible"/>
-                                      </p:to>
-                                    </p:set>
-                                    <p:animEffect transition="in" filter="fade">
-                                      <p:cBhvr>
-                                        <p:cTn id="7" dur="400"/>
-                                        <p:tgtEl>
-                                          <p:spTgt spid="3">
-                                            <p:txEl>
-                                              <p:pRg st="0" end="0"/>
-                                            </p:txEl>
-                                          </p:spTgt>
-                                        </p:tgtEl>
-                                      </p:cBhvr>
-                                    </p:animEffect>
-                                  </p:childTnLst>
-                                </p:cTn>
-                              </p:par>
-                              <p:par>
-                                <p:cTn id="8" presetID="10" presetClass="entr" presetSubtype="0" fill="hold" grpId="0" nodeType="withEffect">
-                                  <p:stCondLst>
-                                    <p:cond delay="1000"/>
-                                  </p:stCondLst>
-                                  <p:iterate type="lt">
-                                    <p:tmPct val="10000"/>
-                                  </p:iterate>
-                                  <p:childTnLst>
-                                    <p:set>
-                                      <p:cBhvr>
-                                        <p:cTn id="9" dur="1" fill="hold">
-                                          <p:stCondLst>
-                                            <p:cond delay="0"/>
-                                          </p:stCondLst>
-                                        </p:cTn>
-                                        <p:tgtEl>
-                                          <p:spTgt spid="2"/>
-                                        </p:tgtEl>
-                                        <p:attrNameLst>
-                                          <p:attrName>style.visibility</p:attrName>
-                                        </p:attrNameLst>
-                                      </p:cBhvr>
-                                      <p:to>
-                                        <p:strVal val="visible"/>
-                                      </p:to>
-                                    </p:set>
-                                    <p:animEffect transition="in" filter="fade">
-                                      <p:cBhvr>
-                                        <p:cTn id="10" dur="400"/>
-                                        <p:tgtEl>
-                                          <p:spTgt spid="2"/>
-                                        </p:tgtEl>
-                                      </p:cBhvr>
-                                    </p:animEffect>
-                                  </p:childTnLst>
-                                </p:cTn>
-                              </p:par>
-                            </p:childTnLst>
-                          </p:cTn>
-                        </p:par>
-                      </p:childTnLst>
-                    </p:cTn>
-                  </p:par>
-                </p:childTnLst>
-              </p:cTn>
-              <p:prevCondLst>
-                <p:cond evt="onPrev" delay="0">
-                  <p:tgtEl>
-                    <p:sldTgt/>
-                  </p:tgtEl>
-                </p:cond>
-              </p:prevCondLst>
-              <p:nextCondLst>
-                <p:cond evt="onNext" delay="0">
-                  <p:tgtEl>
-                    <p:sldTgt/>
-                  </p:tgtEl>
-                </p:cond>
-              </p:nextCondLst>
-            </p:seq>
-          </p:childTnLst>
-        </p:cTn>
-      </p:par>
-    </p:tnLst>
-    <p:bldLst>
-      <p:bldP spid="2" grpId="0"/>
-      <p:bldP spid="3" grpId="0" build="p"/>
-    </p:bldLst>
-  </p:timing>
+  <mc:AlternateContent xmlns:mc="http://schemas.openxmlformats.org/markup-compatibility/2006" xmlns:p159="http://schemas.microsoft.com/office/powerpoint/2015/09/main">
+    <mc:Choice Requires="p159">
+      <p:transition xmlns:p14="http://schemas.microsoft.com/office/powerpoint/2010/main" spd="slow" p14:dur="2000">
+        <p159:morph option="byChar"/>
+      </p:transition>
+    </mc:Choice>
+    <mc:Fallback xmlns="">
+      <p:transition spd="slow">
+        <p:fade/>
+      </p:transition>
+    </mc:Fallback>
+  </mc:AlternateContent>
 </p:sld>
 </file>
 
 <file path=ppt/slides/slide10.xml><?xml version="1.0" encoding="utf-8"?>
 <p:sld xmlns:a="http://schemas.openxmlformats.org/drawingml/2006/main" xmlns:r="http://schemas.openxmlformats.org/officeDocument/2006/relationships" xmlns:p="http://schemas.openxmlformats.org/presentationml/2006/main">
   <p:cSld>
-    <p:bg>
-      <p:bgPr>
-        <a:solidFill>
-          <a:schemeClr val="bg1"/>
-        </a:solidFill>
-        <a:effectLst/>
-      </p:bgPr>
-    </p:bg>
     <p:spTree>
       <p:nvGrpSpPr>
         <p:cNvPr id="1" name=""/>
@@ -3326,41 +3135,122 @@
           <a:chExt cx="0" cy="0"/>
         </a:xfrm>
       </p:grpSpPr>
-      <p:pic>
-        <p:nvPicPr>
-          <p:cNvPr id="5" name="Picture 4" descr="Yellow question mark">
+      <p:sp>
+        <p:nvSpPr>
+          <p:cNvPr id="2" name="Titel 1">
             <a:extLst>
               <a:ext uri="{FF2B5EF4-FFF2-40B4-BE49-F238E27FC236}">
-                <a16:creationId xmlns:a16="http://schemas.microsoft.com/office/drawing/2014/main" id="{FD2AB0DB-AB6C-FB33-4942-A402D4E49E21}"/>
+                <a16:creationId xmlns:a16="http://schemas.microsoft.com/office/drawing/2014/main" id="{E82B9CF3-6D93-4BAD-BB80-898676027829}"/>
               </a:ext>
             </a:extLst>
           </p:cNvPr>
-          <p:cNvPicPr>
-            <a:picLocks noChangeAspect="1"/>
-          </p:cNvPicPr>
-          <p:nvPr/>
-        </p:nvPicPr>
-        <p:blipFill rotWithShape="1">
-          <a:blip r:embed="rId2"/>
-          <a:srcRect r="-2" b="6263"/>
-          <a:stretch/>
-        </p:blipFill>
-        <p:spPr>
-          <a:xfrm>
-            <a:off x="-3047" y="10"/>
-            <a:ext cx="12191999" cy="6857990"/>
-          </a:xfrm>
-          <a:prstGeom prst="rect">
-            <a:avLst/>
-          </a:prstGeom>
-        </p:spPr>
-      </p:pic>
+          <p:cNvSpPr>
+            <a:spLocks noGrp="1"/>
+          </p:cNvSpPr>
+          <p:nvPr>
+            <p:ph type="title"/>
+          </p:nvPr>
+        </p:nvSpPr>
+        <p:spPr/>
+        <p:txBody>
+          <a:bodyPr/>
+          <a:lstStyle/>
+          <a:p>
+            <a:r>
+              <a:rPr lang="en-US" dirty="0"/>
+              <a:t>Lessons Learned</a:t>
+            </a:r>
+          </a:p>
+        </p:txBody>
+      </p:sp>
+      <p:sp>
+        <p:nvSpPr>
+          <p:cNvPr id="3" name="Inhaltsplatzhalter 2">
+            <a:extLst>
+              <a:ext uri="{FF2B5EF4-FFF2-40B4-BE49-F238E27FC236}">
+                <a16:creationId xmlns:a16="http://schemas.microsoft.com/office/drawing/2014/main" id="{E00A9EB0-F40A-429A-A702-61CD5468C608}"/>
+              </a:ext>
+            </a:extLst>
+          </p:cNvPr>
+          <p:cNvSpPr>
+            <a:spLocks noGrp="1"/>
+          </p:cNvSpPr>
+          <p:nvPr>
+            <p:ph idx="1"/>
+          </p:nvPr>
+        </p:nvSpPr>
+        <p:spPr/>
+        <p:txBody>
+          <a:bodyPr/>
+          <a:lstStyle/>
+          <a:p>
+            <a:pPr marL="0" indent="0">
+              <a:buNone/>
+            </a:pPr>
+            <a:r>
+              <a:rPr lang="en-US" b="1" dirty="0"/>
+              <a:t>Efficient use of code</a:t>
+            </a:r>
+          </a:p>
+          <a:p>
+            <a:pPr marL="0" indent="0">
+              <a:buNone/>
+            </a:pPr>
+            <a:r>
+              <a:rPr lang="en-US" dirty="0"/>
+              <a:t>We learned the importance of writing efficient and well-organized code in order to keep the game running smoothly and to avoid any lag or glitches.</a:t>
+            </a:r>
+          </a:p>
+        </p:txBody>
+      </p:sp>
+    </p:spTree>
+    <p:extLst>
+      <p:ext uri="{BB962C8B-B14F-4D97-AF65-F5344CB8AC3E}">
+        <p14:creationId xmlns:p14="http://schemas.microsoft.com/office/powerpoint/2010/main" val="1420076493"/>
+      </p:ext>
+    </p:extLst>
+  </p:cSld>
+  <p:clrMapOvr>
+    <a:masterClrMapping/>
+  </p:clrMapOvr>
+  <mc:AlternateContent xmlns:mc="http://schemas.openxmlformats.org/markup-compatibility/2006" xmlns:p159="http://schemas.microsoft.com/office/powerpoint/2015/09/main">
+    <mc:Choice Requires="p159">
+      <p:transition xmlns:p14="http://schemas.microsoft.com/office/powerpoint/2010/main" spd="slow" p14:dur="2000">
+        <p159:morph option="byChar"/>
+      </p:transition>
+    </mc:Choice>
+    <mc:Fallback xmlns="">
+      <p:transition spd="slow">
+        <p:fade/>
+      </p:transition>
+    </mc:Fallback>
+  </mc:AlternateContent>
+</p:sld>
+</file>
+
+<file path=ppt/slides/slide11.xml><?xml version="1.0" encoding="utf-8"?>
+<p:sld xmlns:a="http://schemas.openxmlformats.org/drawingml/2006/main" xmlns:r="http://schemas.openxmlformats.org/officeDocument/2006/relationships" xmlns:p="http://schemas.openxmlformats.org/presentationml/2006/main">
+  <p:cSld>
+    <p:spTree>
+      <p:nvGrpSpPr>
+        <p:cNvPr id="1" name=""/>
+        <p:cNvGrpSpPr/>
+        <p:nvPr/>
+      </p:nvGrpSpPr>
+      <p:grpSpPr>
+        <a:xfrm>
+          <a:off x="0" y="0"/>
+          <a:ext cx="0" cy="0"/>
+          <a:chOff x="0" y="0"/>
+          <a:chExt cx="0" cy="0"/>
+        </a:xfrm>
+      </p:grpSpPr>
       <p:sp>
         <p:nvSpPr>
           <p:cNvPr id="2" name="Titel 1">
             <a:extLst>
               <a:ext uri="{FF2B5EF4-FFF2-40B4-BE49-F238E27FC236}">
-                <a16:creationId xmlns:a16="http://schemas.microsoft.com/office/drawing/2014/main" id="{F163A38C-6104-1CD3-0B93-DD7364A76CB2}"/>
+                <a16:creationId xmlns:a16="http://schemas.microsoft.com/office/drawing/2014/main" id="{E82B9CF3-6D93-4BAD-BB80-898676027829}"/>
               </a:ext>
             </a:extLst>
           </p:cNvPr>
@@ -3371,33 +3261,54 @@
             <p:ph type="title"/>
           </p:nvPr>
         </p:nvSpPr>
-        <p:spPr>
-          <a:xfrm>
-            <a:off x="1097280" y="325550"/>
-            <a:ext cx="10058400" cy="3574778"/>
-          </a:xfrm>
-          <a:effectLst>
-            <a:outerShdw blurRad="50800" dist="38100" dir="2700000" algn="tl" rotWithShape="0">
-              <a:prstClr val="black">
-                <a:alpha val="40000"/>
-              </a:prstClr>
-            </a:outerShdw>
-          </a:effectLst>
-        </p:spPr>
-        <p:txBody>
-          <a:bodyPr vert="horz" lIns="91440" tIns="45720" rIns="91440" bIns="45720" rtlCol="0" anchor="b">
-            <a:normAutofit/>
-          </a:bodyPr>
-          <a:lstStyle/>
-          <a:p>
-            <a:pPr algn="ctr"/>
-            <a:r>
-              <a:rPr lang="en-US" sz="5200">
-                <a:solidFill>
-                  <a:srgbClr val="FFFFFF"/>
-                </a:solidFill>
-              </a:rPr>
-              <a:t>Questions?</a:t>
+        <p:spPr/>
+        <p:txBody>
+          <a:bodyPr/>
+          <a:lstStyle/>
+          <a:p>
+            <a:r>
+              <a:rPr lang="en-US" dirty="0"/>
+              <a:t>Lessons Learned</a:t>
+            </a:r>
+          </a:p>
+        </p:txBody>
+      </p:sp>
+      <p:sp>
+        <p:nvSpPr>
+          <p:cNvPr id="3" name="Inhaltsplatzhalter 2">
+            <a:extLst>
+              <a:ext uri="{FF2B5EF4-FFF2-40B4-BE49-F238E27FC236}">
+                <a16:creationId xmlns:a16="http://schemas.microsoft.com/office/drawing/2014/main" id="{E00A9EB0-F40A-429A-A702-61CD5468C608}"/>
+              </a:ext>
+            </a:extLst>
+          </p:cNvPr>
+          <p:cNvSpPr>
+            <a:spLocks noGrp="1"/>
+          </p:cNvSpPr>
+          <p:nvPr>
+            <p:ph idx="1"/>
+          </p:nvPr>
+        </p:nvSpPr>
+        <p:spPr/>
+        <p:txBody>
+          <a:bodyPr/>
+          <a:lstStyle/>
+          <a:p>
+            <a:pPr marL="0" indent="0">
+              <a:buNone/>
+            </a:pPr>
+            <a:r>
+              <a:rPr lang="en-US" b="1" dirty="0"/>
+              <a:t>Iterative development</a:t>
+            </a:r>
+          </a:p>
+          <a:p>
+            <a:pPr marL="0" indent="0">
+              <a:buNone/>
+            </a:pPr>
+            <a:r>
+              <a:rPr lang="en-US" dirty="0"/>
+              <a:t>We learned the importance of testing and iterating on the game design, as it allowed us to identify and fix any issues early on, leading to a more polished final product.</a:t>
             </a:r>
           </a:p>
         </p:txBody>
@@ -3405,7 +3316,734 @@
     </p:spTree>
     <p:extLst>
       <p:ext uri="{BB962C8B-B14F-4D97-AF65-F5344CB8AC3E}">
-        <p14:creationId xmlns:p14="http://schemas.microsoft.com/office/powerpoint/2010/main" val="1917762931"/>
+        <p14:creationId xmlns:p14="http://schemas.microsoft.com/office/powerpoint/2010/main" val="3218988848"/>
+      </p:ext>
+    </p:extLst>
+  </p:cSld>
+  <p:clrMapOvr>
+    <a:masterClrMapping/>
+  </p:clrMapOvr>
+  <mc:AlternateContent xmlns:mc="http://schemas.openxmlformats.org/markup-compatibility/2006" xmlns:p159="http://schemas.microsoft.com/office/powerpoint/2015/09/main">
+    <mc:Choice Requires="p159">
+      <p:transition xmlns:p14="http://schemas.microsoft.com/office/powerpoint/2010/main" spd="slow" p14:dur="2000">
+        <p159:morph option="byChar"/>
+      </p:transition>
+    </mc:Choice>
+    <mc:Fallback xmlns="">
+      <p:transition spd="slow">
+        <p:fade/>
+      </p:transition>
+    </mc:Fallback>
+  </mc:AlternateContent>
+</p:sld>
+</file>
+
+<file path=ppt/slides/slide12.xml><?xml version="1.0" encoding="utf-8"?>
+<p:sld xmlns:a="http://schemas.openxmlformats.org/drawingml/2006/main" xmlns:r="http://schemas.openxmlformats.org/officeDocument/2006/relationships" xmlns:p="http://schemas.openxmlformats.org/presentationml/2006/main">
+  <p:cSld>
+    <p:spTree>
+      <p:nvGrpSpPr>
+        <p:cNvPr id="1" name=""/>
+        <p:cNvGrpSpPr/>
+        <p:nvPr/>
+      </p:nvGrpSpPr>
+      <p:grpSpPr>
+        <a:xfrm>
+          <a:off x="0" y="0"/>
+          <a:ext cx="0" cy="0"/>
+          <a:chOff x="0" y="0"/>
+          <a:chExt cx="0" cy="0"/>
+        </a:xfrm>
+      </p:grpSpPr>
+      <p:sp>
+        <p:nvSpPr>
+          <p:cNvPr id="2" name="Titel 1">
+            <a:extLst>
+              <a:ext uri="{FF2B5EF4-FFF2-40B4-BE49-F238E27FC236}">
+                <a16:creationId xmlns:a16="http://schemas.microsoft.com/office/drawing/2014/main" id="{E82B9CF3-6D93-4BAD-BB80-898676027829}"/>
+              </a:ext>
+            </a:extLst>
+          </p:cNvPr>
+          <p:cNvSpPr>
+            <a:spLocks noGrp="1"/>
+          </p:cNvSpPr>
+          <p:nvPr>
+            <p:ph type="title"/>
+          </p:nvPr>
+        </p:nvSpPr>
+        <p:spPr/>
+        <p:txBody>
+          <a:bodyPr/>
+          <a:lstStyle/>
+          <a:p>
+            <a:r>
+              <a:rPr lang="en-US" dirty="0"/>
+              <a:t>Lessons Learned</a:t>
+            </a:r>
+          </a:p>
+        </p:txBody>
+      </p:sp>
+      <p:sp>
+        <p:nvSpPr>
+          <p:cNvPr id="3" name="Inhaltsplatzhalter 2">
+            <a:extLst>
+              <a:ext uri="{FF2B5EF4-FFF2-40B4-BE49-F238E27FC236}">
+                <a16:creationId xmlns:a16="http://schemas.microsoft.com/office/drawing/2014/main" id="{E00A9EB0-F40A-429A-A702-61CD5468C608}"/>
+              </a:ext>
+            </a:extLst>
+          </p:cNvPr>
+          <p:cNvSpPr>
+            <a:spLocks noGrp="1"/>
+          </p:cNvSpPr>
+          <p:nvPr>
+            <p:ph idx="1"/>
+          </p:nvPr>
+        </p:nvSpPr>
+        <p:spPr/>
+        <p:txBody>
+          <a:bodyPr/>
+          <a:lstStyle/>
+          <a:p>
+            <a:pPr marL="0" indent="0">
+              <a:buNone/>
+            </a:pPr>
+            <a:r>
+              <a:rPr lang="en-US" b="1" dirty="0"/>
+              <a:t>Collaboration and sharing knowledge</a:t>
+            </a:r>
+          </a:p>
+          <a:p>
+            <a:pPr marL="0" indent="0">
+              <a:buNone/>
+            </a:pPr>
+            <a:r>
+              <a:rPr lang="en-US" dirty="0"/>
+              <a:t>We learned the value of collaboration and sharing knowledge when working on a project, as different perspectives and skill sets can lead to better solutions and a higher-quality final product.</a:t>
+            </a:r>
+          </a:p>
+        </p:txBody>
+      </p:sp>
+    </p:spTree>
+    <p:extLst>
+      <p:ext uri="{BB962C8B-B14F-4D97-AF65-F5344CB8AC3E}">
+        <p14:creationId xmlns:p14="http://schemas.microsoft.com/office/powerpoint/2010/main" val="1946944147"/>
+      </p:ext>
+    </p:extLst>
+  </p:cSld>
+  <p:clrMapOvr>
+    <a:masterClrMapping/>
+  </p:clrMapOvr>
+  <mc:AlternateContent xmlns:mc="http://schemas.openxmlformats.org/markup-compatibility/2006" xmlns:p159="http://schemas.microsoft.com/office/powerpoint/2015/09/main">
+    <mc:Choice Requires="p159">
+      <p:transition xmlns:p14="http://schemas.microsoft.com/office/powerpoint/2010/main" spd="slow" p14:dur="2000">
+        <p159:morph option="byChar"/>
+      </p:transition>
+    </mc:Choice>
+    <mc:Fallback xmlns="">
+      <p:transition spd="slow">
+        <p:fade/>
+      </p:transition>
+    </mc:Fallback>
+  </mc:AlternateContent>
+</p:sld>
+</file>
+
+<file path=ppt/slides/slide13.xml><?xml version="1.0" encoding="utf-8"?>
+<p:sld xmlns:a="http://schemas.openxmlformats.org/drawingml/2006/main" xmlns:r="http://schemas.openxmlformats.org/officeDocument/2006/relationships" xmlns:p="http://schemas.openxmlformats.org/presentationml/2006/main">
+  <p:cSld>
+    <p:spTree>
+      <p:nvGrpSpPr>
+        <p:cNvPr id="1" name=""/>
+        <p:cNvGrpSpPr/>
+        <p:nvPr/>
+      </p:nvGrpSpPr>
+      <p:grpSpPr>
+        <a:xfrm>
+          <a:off x="0" y="0"/>
+          <a:ext cx="0" cy="0"/>
+          <a:chOff x="0" y="0"/>
+          <a:chExt cx="0" cy="0"/>
+        </a:xfrm>
+      </p:grpSpPr>
+      <p:sp>
+        <p:nvSpPr>
+          <p:cNvPr id="2" name="Titel 1">
+            <a:extLst>
+              <a:ext uri="{FF2B5EF4-FFF2-40B4-BE49-F238E27FC236}">
+                <a16:creationId xmlns:a16="http://schemas.microsoft.com/office/drawing/2014/main" id="{E82B9CF3-6D93-4BAD-BB80-898676027829}"/>
+              </a:ext>
+            </a:extLst>
+          </p:cNvPr>
+          <p:cNvSpPr>
+            <a:spLocks noGrp="1"/>
+          </p:cNvSpPr>
+          <p:nvPr>
+            <p:ph type="title"/>
+          </p:nvPr>
+        </p:nvSpPr>
+        <p:spPr/>
+        <p:txBody>
+          <a:bodyPr/>
+          <a:lstStyle/>
+          <a:p>
+            <a:r>
+              <a:rPr lang="en-US" dirty="0"/>
+              <a:t>Lessons Learned</a:t>
+            </a:r>
+          </a:p>
+        </p:txBody>
+      </p:sp>
+      <p:sp>
+        <p:nvSpPr>
+          <p:cNvPr id="3" name="Inhaltsplatzhalter 2">
+            <a:extLst>
+              <a:ext uri="{FF2B5EF4-FFF2-40B4-BE49-F238E27FC236}">
+                <a16:creationId xmlns:a16="http://schemas.microsoft.com/office/drawing/2014/main" id="{E00A9EB0-F40A-429A-A702-61CD5468C608}"/>
+              </a:ext>
+            </a:extLst>
+          </p:cNvPr>
+          <p:cNvSpPr>
+            <a:spLocks noGrp="1"/>
+          </p:cNvSpPr>
+          <p:nvPr>
+            <p:ph idx="1"/>
+          </p:nvPr>
+        </p:nvSpPr>
+        <p:spPr/>
+        <p:txBody>
+          <a:bodyPr/>
+          <a:lstStyle/>
+          <a:p>
+            <a:pPr marL="0" indent="0">
+              <a:buNone/>
+            </a:pPr>
+            <a:r>
+              <a:rPr lang="en-US" b="1" dirty="0" err="1"/>
+              <a:t>Adressing</a:t>
+            </a:r>
+            <a:r>
+              <a:rPr lang="en-US" b="1" dirty="0"/>
+              <a:t> the difficulty level</a:t>
+            </a:r>
+          </a:p>
+          <a:p>
+            <a:pPr marL="0" indent="0">
+              <a:buNone/>
+            </a:pPr>
+            <a:r>
+              <a:rPr lang="en-US" dirty="0"/>
+              <a:t>We learned that adjusting the difficulty level is important for the game to be enjoyable for all types of players, and also to make the game challenging for the more experienced players.</a:t>
+            </a:r>
+          </a:p>
+        </p:txBody>
+      </p:sp>
+    </p:spTree>
+    <p:extLst>
+      <p:ext uri="{BB962C8B-B14F-4D97-AF65-F5344CB8AC3E}">
+        <p14:creationId xmlns:p14="http://schemas.microsoft.com/office/powerpoint/2010/main" val="4061745136"/>
+      </p:ext>
+    </p:extLst>
+  </p:cSld>
+  <p:clrMapOvr>
+    <a:masterClrMapping/>
+  </p:clrMapOvr>
+  <mc:AlternateContent xmlns:mc="http://schemas.openxmlformats.org/markup-compatibility/2006" xmlns:p159="http://schemas.microsoft.com/office/powerpoint/2015/09/main">
+    <mc:Choice Requires="p159">
+      <p:transition xmlns:p14="http://schemas.microsoft.com/office/powerpoint/2010/main" spd="slow" p14:dur="2000">
+        <p159:morph option="byChar"/>
+      </p:transition>
+    </mc:Choice>
+    <mc:Fallback xmlns="">
+      <p:transition spd="slow">
+        <p:fade/>
+      </p:transition>
+    </mc:Fallback>
+  </mc:AlternateContent>
+</p:sld>
+</file>
+
+<file path=ppt/slides/slide14.xml><?xml version="1.0" encoding="utf-8"?>
+<p:sld xmlns:a="http://schemas.openxmlformats.org/drawingml/2006/main" xmlns:r="http://schemas.openxmlformats.org/officeDocument/2006/relationships" xmlns:p="http://schemas.openxmlformats.org/presentationml/2006/main">
+  <p:cSld>
+    <p:spTree>
+      <p:nvGrpSpPr>
+        <p:cNvPr id="1" name=""/>
+        <p:cNvGrpSpPr/>
+        <p:nvPr/>
+      </p:nvGrpSpPr>
+      <p:grpSpPr>
+        <a:xfrm>
+          <a:off x="0" y="0"/>
+          <a:ext cx="0" cy="0"/>
+          <a:chOff x="0" y="0"/>
+          <a:chExt cx="0" cy="0"/>
+        </a:xfrm>
+      </p:grpSpPr>
+      <p:sp>
+        <p:nvSpPr>
+          <p:cNvPr id="2" name="Titel 1">
+            <a:extLst>
+              <a:ext uri="{FF2B5EF4-FFF2-40B4-BE49-F238E27FC236}">
+                <a16:creationId xmlns:a16="http://schemas.microsoft.com/office/drawing/2014/main" id="{E82B9CF3-6D93-4BAD-BB80-898676027829}"/>
+              </a:ext>
+            </a:extLst>
+          </p:cNvPr>
+          <p:cNvSpPr>
+            <a:spLocks noGrp="1"/>
+          </p:cNvSpPr>
+          <p:nvPr>
+            <p:ph type="title"/>
+          </p:nvPr>
+        </p:nvSpPr>
+        <p:spPr/>
+        <p:txBody>
+          <a:bodyPr/>
+          <a:lstStyle/>
+          <a:p>
+            <a:r>
+              <a:rPr lang="en-US" dirty="0"/>
+              <a:t>Lessons Learned</a:t>
+            </a:r>
+          </a:p>
+        </p:txBody>
+      </p:sp>
+      <p:sp>
+        <p:nvSpPr>
+          <p:cNvPr id="3" name="Inhaltsplatzhalter 2">
+            <a:extLst>
+              <a:ext uri="{FF2B5EF4-FFF2-40B4-BE49-F238E27FC236}">
+                <a16:creationId xmlns:a16="http://schemas.microsoft.com/office/drawing/2014/main" id="{E00A9EB0-F40A-429A-A702-61CD5468C608}"/>
+              </a:ext>
+            </a:extLst>
+          </p:cNvPr>
+          <p:cNvSpPr>
+            <a:spLocks noGrp="1"/>
+          </p:cNvSpPr>
+          <p:nvPr>
+            <p:ph idx="1"/>
+          </p:nvPr>
+        </p:nvSpPr>
+        <p:spPr/>
+        <p:txBody>
+          <a:bodyPr/>
+          <a:lstStyle/>
+          <a:p>
+            <a:pPr marL="0" indent="0">
+              <a:buNone/>
+            </a:pPr>
+            <a:r>
+              <a:rPr lang="en-US" b="1" dirty="0"/>
+              <a:t>Importance of external display</a:t>
+            </a:r>
+          </a:p>
+          <a:p>
+            <a:pPr marL="0" indent="0">
+              <a:buNone/>
+            </a:pPr>
+            <a:r>
+              <a:rPr lang="en-US" dirty="0"/>
+              <a:t>We learned that the limitations of using the inbuilt LED matrix can affect the overall player experience. We had initially planned to implement an external display but were unable to do so, which resulted in us having to resort to using the </a:t>
+            </a:r>
+            <a:r>
+              <a:rPr lang="en-US" dirty="0" err="1"/>
+              <a:t>Microbit's</a:t>
+            </a:r>
+            <a:r>
+              <a:rPr lang="en-US" dirty="0"/>
+              <a:t> inbuilt LED matrix. This limitation affected the game's visual appeal and player engagement. It highlighted the importance of considering external display options when developing similar projects in the future.</a:t>
+            </a:r>
+          </a:p>
+        </p:txBody>
+      </p:sp>
+    </p:spTree>
+    <p:extLst>
+      <p:ext uri="{BB962C8B-B14F-4D97-AF65-F5344CB8AC3E}">
+        <p14:creationId xmlns:p14="http://schemas.microsoft.com/office/powerpoint/2010/main" val="1460876343"/>
+      </p:ext>
+    </p:extLst>
+  </p:cSld>
+  <p:clrMapOvr>
+    <a:masterClrMapping/>
+  </p:clrMapOvr>
+  <mc:AlternateContent xmlns:mc="http://schemas.openxmlformats.org/markup-compatibility/2006" xmlns:p159="http://schemas.microsoft.com/office/powerpoint/2015/09/main">
+    <mc:Choice Requires="p159">
+      <p:transition xmlns:p14="http://schemas.microsoft.com/office/powerpoint/2010/main" spd="slow" p14:dur="2000">
+        <p159:morph option="byChar"/>
+      </p:transition>
+    </mc:Choice>
+    <mc:Fallback xmlns="">
+      <p:transition spd="slow">
+        <p:fade/>
+      </p:transition>
+    </mc:Fallback>
+  </mc:AlternateContent>
+</p:sld>
+</file>
+
+<file path=ppt/slides/slide15.xml><?xml version="1.0" encoding="utf-8"?>
+<p:sld xmlns:a="http://schemas.openxmlformats.org/drawingml/2006/main" xmlns:r="http://schemas.openxmlformats.org/officeDocument/2006/relationships" xmlns:p="http://schemas.openxmlformats.org/presentationml/2006/main">
+  <p:cSld>
+    <p:spTree>
+      <p:nvGrpSpPr>
+        <p:cNvPr id="1" name=""/>
+        <p:cNvGrpSpPr/>
+        <p:nvPr/>
+      </p:nvGrpSpPr>
+      <p:grpSpPr>
+        <a:xfrm>
+          <a:off x="0" y="0"/>
+          <a:ext cx="0" cy="0"/>
+          <a:chOff x="0" y="0"/>
+          <a:chExt cx="0" cy="0"/>
+        </a:xfrm>
+      </p:grpSpPr>
+      <p:sp>
+        <p:nvSpPr>
+          <p:cNvPr id="2" name="Titel 1">
+            <a:extLst>
+              <a:ext uri="{FF2B5EF4-FFF2-40B4-BE49-F238E27FC236}">
+                <a16:creationId xmlns:a16="http://schemas.microsoft.com/office/drawing/2014/main" id="{4077AB3B-809B-4E54-9529-3D342CA802EF}"/>
+              </a:ext>
+            </a:extLst>
+          </p:cNvPr>
+          <p:cNvSpPr>
+            <a:spLocks noGrp="1"/>
+          </p:cNvSpPr>
+          <p:nvPr>
+            <p:ph type="title"/>
+          </p:nvPr>
+        </p:nvSpPr>
+        <p:spPr/>
+        <p:txBody>
+          <a:bodyPr/>
+          <a:lstStyle/>
+          <a:p>
+            <a:r>
+              <a:rPr lang="de-DE" dirty="0" err="1"/>
+              <a:t>Programming</a:t>
+            </a:r>
+            <a:endParaRPr lang="en-US" dirty="0"/>
+          </a:p>
+        </p:txBody>
+      </p:sp>
+      <p:sp>
+        <p:nvSpPr>
+          <p:cNvPr id="3" name="Inhaltsplatzhalter 2">
+            <a:extLst>
+              <a:ext uri="{FF2B5EF4-FFF2-40B4-BE49-F238E27FC236}">
+                <a16:creationId xmlns:a16="http://schemas.microsoft.com/office/drawing/2014/main" id="{36741C42-8695-4F64-A029-33CAEB41D782}"/>
+              </a:ext>
+            </a:extLst>
+          </p:cNvPr>
+          <p:cNvSpPr>
+            <a:spLocks noGrp="1"/>
+          </p:cNvSpPr>
+          <p:nvPr>
+            <p:ph idx="1"/>
+          </p:nvPr>
+        </p:nvSpPr>
+        <p:spPr/>
+        <p:txBody>
+          <a:bodyPr/>
+          <a:lstStyle/>
+          <a:p>
+            <a:pPr marL="0" indent="0">
+              <a:buNone/>
+            </a:pPr>
+            <a:r>
+              <a:rPr lang="de-DE" dirty="0" err="1"/>
+              <a:t>Unfortunatly</a:t>
+            </a:r>
+            <a:r>
+              <a:rPr lang="de-DE" dirty="0"/>
+              <a:t> </a:t>
+            </a:r>
+            <a:r>
+              <a:rPr lang="de-DE" dirty="0" err="1"/>
+              <a:t>we</a:t>
+            </a:r>
+            <a:r>
+              <a:rPr lang="de-DE" dirty="0"/>
+              <a:t> </a:t>
+            </a:r>
+            <a:r>
+              <a:rPr lang="de-DE" dirty="0" err="1"/>
+              <a:t>don‘t</a:t>
+            </a:r>
+            <a:r>
+              <a:rPr lang="de-DE" dirty="0"/>
+              <a:t> </a:t>
+            </a:r>
+            <a:r>
+              <a:rPr lang="de-DE" dirty="0" err="1"/>
+              <a:t>have</a:t>
+            </a:r>
+            <a:r>
+              <a:rPr lang="de-DE" dirty="0"/>
+              <a:t> time </a:t>
+            </a:r>
+            <a:r>
+              <a:rPr lang="de-DE" dirty="0" err="1"/>
+              <a:t>to</a:t>
+            </a:r>
+            <a:r>
+              <a:rPr lang="de-DE" dirty="0"/>
+              <a:t> </a:t>
+            </a:r>
+            <a:r>
+              <a:rPr lang="de-DE" dirty="0" err="1"/>
+              <a:t>explain</a:t>
+            </a:r>
+            <a:r>
+              <a:rPr lang="de-DE" dirty="0"/>
+              <a:t> </a:t>
+            </a:r>
+            <a:r>
+              <a:rPr lang="de-DE" dirty="0" err="1"/>
+              <a:t>the</a:t>
+            </a:r>
+            <a:r>
+              <a:rPr lang="de-DE" dirty="0"/>
+              <a:t> Programm.</a:t>
+            </a:r>
+          </a:p>
+          <a:p>
+            <a:pPr marL="0" indent="0">
+              <a:buNone/>
+            </a:pPr>
+            <a:endParaRPr lang="de-DE" dirty="0"/>
+          </a:p>
+          <a:p>
+            <a:pPr marL="0" indent="0">
+              <a:buNone/>
+            </a:pPr>
+            <a:r>
+              <a:rPr lang="de-DE" dirty="0" err="1"/>
+              <a:t>Have</a:t>
+            </a:r>
+            <a:r>
+              <a:rPr lang="de-DE" dirty="0"/>
+              <a:t> a </a:t>
+            </a:r>
+            <a:r>
+              <a:rPr lang="de-DE" dirty="0" err="1"/>
+              <a:t>look</a:t>
+            </a:r>
+            <a:r>
+              <a:rPr lang="de-DE" dirty="0"/>
+              <a:t> at </a:t>
+            </a:r>
+            <a:r>
+              <a:rPr lang="de-DE" dirty="0" err="1"/>
+              <a:t>the</a:t>
+            </a:r>
+            <a:r>
+              <a:rPr lang="de-DE" dirty="0"/>
+              <a:t> </a:t>
+            </a:r>
+            <a:r>
+              <a:rPr lang="de-DE" dirty="0" err="1"/>
+              <a:t>Github</a:t>
+            </a:r>
+            <a:r>
+              <a:rPr lang="de-DE" dirty="0"/>
+              <a:t> Repository: </a:t>
+            </a:r>
+            <a:r>
+              <a:rPr lang="de-DE" dirty="0" err="1"/>
+              <a:t>We</a:t>
+            </a:r>
+            <a:r>
+              <a:rPr lang="de-DE" dirty="0"/>
+              <a:t> </a:t>
+            </a:r>
+            <a:r>
+              <a:rPr lang="de-DE" dirty="0" err="1"/>
+              <a:t>have</a:t>
+            </a:r>
+            <a:r>
+              <a:rPr lang="de-DE" dirty="0"/>
+              <a:t> </a:t>
+            </a:r>
+            <a:r>
+              <a:rPr lang="de-DE" dirty="0" err="1"/>
+              <a:t>writen</a:t>
+            </a:r>
+            <a:r>
+              <a:rPr lang="de-DE" dirty="0"/>
+              <a:t> a </a:t>
+            </a:r>
+            <a:r>
+              <a:rPr lang="de-DE" dirty="0" err="1"/>
+              <a:t>detailed</a:t>
+            </a:r>
+            <a:r>
+              <a:rPr lang="de-DE" dirty="0"/>
+              <a:t>    </a:t>
+            </a:r>
+            <a:r>
+              <a:rPr lang="de-DE" dirty="0" err="1"/>
+              <a:t>explanation</a:t>
+            </a:r>
+            <a:r>
+              <a:rPr lang="de-DE" dirty="0"/>
+              <a:t> </a:t>
+            </a:r>
+            <a:r>
+              <a:rPr lang="de-DE" dirty="0" err="1"/>
+              <a:t>of</a:t>
+            </a:r>
+            <a:r>
+              <a:rPr lang="de-DE" dirty="0"/>
+              <a:t> </a:t>
+            </a:r>
+            <a:r>
+              <a:rPr lang="de-DE" dirty="0" err="1"/>
+              <a:t>the</a:t>
+            </a:r>
+            <a:r>
+              <a:rPr lang="de-DE" dirty="0"/>
+              <a:t> Code in </a:t>
+            </a:r>
+            <a:r>
+              <a:rPr lang="de-DE" dirty="0" err="1"/>
+              <a:t>the</a:t>
+            </a:r>
+            <a:r>
+              <a:rPr lang="de-DE" dirty="0"/>
+              <a:t> Solutions Approach.</a:t>
+            </a:r>
+          </a:p>
+          <a:p>
+            <a:pPr marL="0" indent="0">
+              <a:buNone/>
+            </a:pPr>
+            <a:endParaRPr lang="en-US" dirty="0"/>
+          </a:p>
+        </p:txBody>
+      </p:sp>
+    </p:spTree>
+    <p:extLst>
+      <p:ext uri="{BB962C8B-B14F-4D97-AF65-F5344CB8AC3E}">
+        <p14:creationId xmlns:p14="http://schemas.microsoft.com/office/powerpoint/2010/main" val="81172488"/>
+      </p:ext>
+    </p:extLst>
+  </p:cSld>
+  <p:clrMapOvr>
+    <a:masterClrMapping/>
+  </p:clrMapOvr>
+  <mc:AlternateContent xmlns:mc="http://schemas.openxmlformats.org/markup-compatibility/2006" xmlns:p159="http://schemas.microsoft.com/office/powerpoint/2015/09/main">
+    <mc:Choice Requires="p159">
+      <p:transition xmlns:p14="http://schemas.microsoft.com/office/powerpoint/2010/main" spd="slow" p14:dur="2000">
+        <p159:morph option="byChar"/>
+      </p:transition>
+    </mc:Choice>
+    <mc:Fallback xmlns="">
+      <p:transition spd="slow">
+        <p:fade/>
+      </p:transition>
+    </mc:Fallback>
+  </mc:AlternateContent>
+</p:sld>
+</file>
+
+<file path=ppt/slides/slide16.xml><?xml version="1.0" encoding="utf-8"?>
+<p:sld xmlns:a="http://schemas.openxmlformats.org/drawingml/2006/main" xmlns:r="http://schemas.openxmlformats.org/officeDocument/2006/relationships" xmlns:p="http://schemas.openxmlformats.org/presentationml/2006/main">
+  <p:cSld>
+    <p:spTree>
+      <p:nvGrpSpPr>
+        <p:cNvPr id="1" name=""/>
+        <p:cNvGrpSpPr/>
+        <p:nvPr/>
+      </p:nvGrpSpPr>
+      <p:grpSpPr>
+        <a:xfrm>
+          <a:off x="0" y="0"/>
+          <a:ext cx="0" cy="0"/>
+          <a:chOff x="0" y="0"/>
+          <a:chExt cx="0" cy="0"/>
+        </a:xfrm>
+      </p:grpSpPr>
+      <p:sp>
+        <p:nvSpPr>
+          <p:cNvPr id="2" name="Titel 1">
+            <a:extLst>
+              <a:ext uri="{FF2B5EF4-FFF2-40B4-BE49-F238E27FC236}">
+                <a16:creationId xmlns:a16="http://schemas.microsoft.com/office/drawing/2014/main" id="{2B8D1257-B31F-442D-94BE-C079E21A996C}"/>
+              </a:ext>
+            </a:extLst>
+          </p:cNvPr>
+          <p:cNvSpPr>
+            <a:spLocks noGrp="1"/>
+          </p:cNvSpPr>
+          <p:nvPr>
+            <p:ph type="title"/>
+          </p:nvPr>
+        </p:nvSpPr>
+        <p:spPr/>
+        <p:txBody>
+          <a:bodyPr/>
+          <a:lstStyle/>
+          <a:p>
+            <a:r>
+              <a:rPr lang="de-DE" dirty="0" err="1"/>
+              <a:t>Conclusion</a:t>
+            </a:r>
+            <a:endParaRPr lang="en-US" dirty="0"/>
+          </a:p>
+        </p:txBody>
+      </p:sp>
+      <p:sp>
+        <p:nvSpPr>
+          <p:cNvPr id="3" name="Inhaltsplatzhalter 2">
+            <a:extLst>
+              <a:ext uri="{FF2B5EF4-FFF2-40B4-BE49-F238E27FC236}">
+                <a16:creationId xmlns:a16="http://schemas.microsoft.com/office/drawing/2014/main" id="{54834F6D-F5D7-4598-BDE9-6256D7D534E8}"/>
+              </a:ext>
+            </a:extLst>
+          </p:cNvPr>
+          <p:cNvSpPr>
+            <a:spLocks noGrp="1"/>
+          </p:cNvSpPr>
+          <p:nvPr>
+            <p:ph idx="1"/>
+          </p:nvPr>
+        </p:nvSpPr>
+        <p:spPr/>
+        <p:txBody>
+          <a:bodyPr/>
+          <a:lstStyle/>
+          <a:p>
+            <a:pPr marL="0" indent="0">
+              <a:buNone/>
+            </a:pPr>
+            <a:r>
+              <a:rPr lang="en-US" dirty="0"/>
+              <a:t>In conclusion, the </a:t>
+            </a:r>
+            <a:r>
+              <a:rPr lang="en-US" dirty="0" err="1"/>
+              <a:t>Microbit</a:t>
+            </a:r>
+            <a:r>
+              <a:rPr lang="en-US" dirty="0"/>
+              <a:t> Atari Breakout project was a challenging yet rewarding experience. We were able to take a classic arcade game and adapt it to the </a:t>
+            </a:r>
+            <a:r>
+              <a:rPr lang="en-US" dirty="0" err="1"/>
+              <a:t>Microbit's</a:t>
+            </a:r>
+            <a:r>
+              <a:rPr lang="en-US" dirty="0"/>
+              <a:t> capabilities, utilizing its LED matrix to create a fun game. It would have been great to do the project another time  as the time constraint with other ongoing work was a big limiting factor.</a:t>
+            </a:r>
+          </a:p>
+        </p:txBody>
+      </p:sp>
+    </p:spTree>
+    <p:extLst>
+      <p:ext uri="{BB962C8B-B14F-4D97-AF65-F5344CB8AC3E}">
+        <p14:creationId xmlns:p14="http://schemas.microsoft.com/office/powerpoint/2010/main" val="3440563537"/>
       </p:ext>
     </p:extLst>
   </p:cSld>
@@ -3437,7 +4075,7 @@
           <p:cNvPr id="2" name="Titel 1">
             <a:extLst>
               <a:ext uri="{FF2B5EF4-FFF2-40B4-BE49-F238E27FC236}">
-                <a16:creationId xmlns:a16="http://schemas.microsoft.com/office/drawing/2014/main" id="{35107B56-AE3E-C431-7A9D-42239B19C668}"/>
+                <a16:creationId xmlns:a16="http://schemas.microsoft.com/office/drawing/2014/main" id="{6F8AFB09-1C80-4563-83BA-4F792F1A0012}"/>
               </a:ext>
             </a:extLst>
           </p:cNvPr>
@@ -3459,7 +4097,7 @@
               </a:rPr>
               <a:t>General Information</a:t>
             </a:r>
-            <a:endParaRPr lang="de-DE" dirty="0"/>
+            <a:endParaRPr lang="en-US" dirty="0"/>
           </a:p>
         </p:txBody>
       </p:sp>
@@ -3468,7 +4106,7 @@
           <p:cNvPr id="3" name="Inhaltsplatzhalter 2">
             <a:extLst>
               <a:ext uri="{FF2B5EF4-FFF2-40B4-BE49-F238E27FC236}">
-                <a16:creationId xmlns:a16="http://schemas.microsoft.com/office/drawing/2014/main" id="{9E2C99B0-EE5A-6528-8020-51D019FE8037}"/>
+                <a16:creationId xmlns:a16="http://schemas.microsoft.com/office/drawing/2014/main" id="{0F399824-9BEB-4BDF-8AE2-9C9771FD7BC5}"/>
               </a:ext>
             </a:extLst>
           </p:cNvPr>
@@ -3481,9 +4119,7 @@
         </p:nvSpPr>
         <p:spPr/>
         <p:txBody>
-          <a:bodyPr vert="horz" lIns="91440" tIns="45720" rIns="91440" bIns="45720" rtlCol="0" anchor="t">
-            <a:normAutofit/>
-          </a:bodyPr>
+          <a:bodyPr/>
           <a:lstStyle/>
           <a:p>
             <a:r>
@@ -3778,7 +4414,7 @@
                 <a:ea typeface="+mn-lt"/>
                 <a:cs typeface="+mn-lt"/>
               </a:rPr>
-              <a:t>Present</a:t>
+              <a:t>present</a:t>
             </a:r>
             <a:r>
               <a:rPr lang="de-DE" dirty="0">
@@ -4086,32 +4722,39 @@
               <a:cs typeface="Calibri"/>
             </a:endParaRPr>
           </a:p>
+          <a:p>
+            <a:endParaRPr lang="en-US" dirty="0"/>
+          </a:p>
         </p:txBody>
       </p:sp>
     </p:spTree>
     <p:extLst>
       <p:ext uri="{BB962C8B-B14F-4D97-AF65-F5344CB8AC3E}">
-        <p14:creationId xmlns:p14="http://schemas.microsoft.com/office/powerpoint/2010/main" val="2529757587"/>
+        <p14:creationId xmlns:p14="http://schemas.microsoft.com/office/powerpoint/2010/main" val="923628126"/>
       </p:ext>
     </p:extLst>
   </p:cSld>
   <p:clrMapOvr>
     <a:masterClrMapping/>
   </p:clrMapOvr>
+  <mc:AlternateContent xmlns:mc="http://schemas.openxmlformats.org/markup-compatibility/2006" xmlns:p159="http://schemas.microsoft.com/office/powerpoint/2015/09/main">
+    <mc:Choice Requires="p159">
+      <p:transition xmlns:p14="http://schemas.microsoft.com/office/powerpoint/2010/main" spd="slow" p14:dur="2000">
+        <p159:morph option="byChar"/>
+      </p:transition>
+    </mc:Choice>
+    <mc:Fallback xmlns="">
+      <p:transition spd="slow">
+        <p:fade/>
+      </p:transition>
+    </mc:Fallback>
+  </mc:AlternateContent>
 </p:sld>
 </file>
 
 <file path=ppt/slides/slide3.xml><?xml version="1.0" encoding="utf-8"?>
 <p:sld xmlns:a="http://schemas.openxmlformats.org/drawingml/2006/main" xmlns:r="http://schemas.openxmlformats.org/officeDocument/2006/relationships" xmlns:p="http://schemas.openxmlformats.org/presentationml/2006/main">
   <p:cSld>
-    <p:bg>
-      <p:bgPr>
-        <a:solidFill>
-          <a:schemeClr val="bg1"/>
-        </a:solidFill>
-        <a:effectLst/>
-      </p:bgPr>
-    </p:bg>
     <p:spTree>
       <p:nvGrpSpPr>
         <p:cNvPr id="1" name=""/>
@@ -4131,7 +4774,7 @@
           <p:cNvPr id="2" name="Titel 1">
             <a:extLst>
               <a:ext uri="{FF2B5EF4-FFF2-40B4-BE49-F238E27FC236}">
-                <a16:creationId xmlns:a16="http://schemas.microsoft.com/office/drawing/2014/main" id="{FABCF41A-3AA5-FBBC-5E8D-BAB154572121}"/>
+                <a16:creationId xmlns:a16="http://schemas.microsoft.com/office/drawing/2014/main" id="{4833DC74-EACA-4731-B61A-8899A02BB164}"/>
               </a:ext>
             </a:extLst>
           </p:cNvPr>
@@ -4142,26 +4785,16 @@
             <p:ph type="title"/>
           </p:nvPr>
         </p:nvSpPr>
-        <p:spPr>
-          <a:xfrm>
-            <a:off x="838200" y="448721"/>
-            <a:ext cx="4707671" cy="1225650"/>
-          </a:xfrm>
-        </p:spPr>
-        <p:txBody>
-          <a:bodyPr anchor="b">
-            <a:normAutofit/>
-          </a:bodyPr>
-          <a:lstStyle/>
-          <a:p>
-            <a:r>
-              <a:rPr lang="en-GB" sz="3800">
-                <a:solidFill>
-                  <a:schemeClr val="bg1"/>
-                </a:solidFill>
-              </a:rPr>
+        <p:spPr/>
+        <p:txBody>
+          <a:bodyPr/>
+          <a:lstStyle/>
+          <a:p>
+            <a:r>
+              <a:rPr lang="en-GB" dirty="0"/>
               <a:t>Table of Content</a:t>
             </a:r>
+            <a:endParaRPr lang="en-US" dirty="0"/>
           </a:p>
         </p:txBody>
       </p:sp>
@@ -4170,7 +4803,7 @@
           <p:cNvPr id="3" name="Inhaltsplatzhalter 2">
             <a:extLst>
               <a:ext uri="{FF2B5EF4-FFF2-40B4-BE49-F238E27FC236}">
-                <a16:creationId xmlns:a16="http://schemas.microsoft.com/office/drawing/2014/main" id="{65A828BF-384C-AAF1-B380-521C9F1A9169}"/>
+                <a16:creationId xmlns:a16="http://schemas.microsoft.com/office/drawing/2014/main" id="{107B0ED9-CE00-4366-B778-18F2C06D9320}"/>
               </a:ext>
             </a:extLst>
           </p:cNvPr>
@@ -4181,180 +4814,101 @@
             <p:ph idx="1"/>
           </p:nvPr>
         </p:nvSpPr>
-        <p:spPr>
-          <a:xfrm>
-            <a:off x="897769" y="1909192"/>
-            <a:ext cx="4586513" cy="3647710"/>
-          </a:xfrm>
-        </p:spPr>
-        <p:txBody>
-          <a:bodyPr vert="horz" lIns="91440" tIns="45720" rIns="91440" bIns="45720" rtlCol="0" anchor="t">
-            <a:normAutofit/>
-          </a:bodyPr>
-          <a:lstStyle/>
-          <a:p>
-            <a:r>
-              <a:rPr lang="en-GB" sz="2000">
-                <a:solidFill>
-                  <a:schemeClr val="bg1"/>
-                </a:solidFill>
-              </a:rPr>
-              <a:t>Introduction</a:t>
-            </a:r>
-          </a:p>
-          <a:p>
-            <a:r>
-              <a:rPr lang="en-GB" sz="2000">
-                <a:solidFill>
-                  <a:schemeClr val="bg1"/>
-                </a:solidFill>
-              </a:rPr>
-              <a:t>Materials needed</a:t>
-            </a:r>
-            <a:endParaRPr lang="en-GB" sz="2000">
-              <a:solidFill>
-                <a:schemeClr val="bg1"/>
-              </a:solidFill>
-              <a:cs typeface="Calibri"/>
-            </a:endParaRPr>
-          </a:p>
-          <a:p>
-            <a:r>
-              <a:rPr lang="en-GB" sz="2000">
-                <a:solidFill>
-                  <a:schemeClr val="bg1"/>
-                </a:solidFill>
-              </a:rPr>
-              <a:t>Setting up the </a:t>
-            </a:r>
-            <a:r>
-              <a:rPr lang="en-GB" sz="2000" err="1">
-                <a:solidFill>
-                  <a:schemeClr val="bg1"/>
-                </a:solidFill>
-              </a:rPr>
-              <a:t>Microbit</a:t>
-            </a:r>
-            <a:endParaRPr lang="en-GB" sz="2000">
-              <a:solidFill>
-                <a:schemeClr val="bg1"/>
-              </a:solidFill>
-            </a:endParaRPr>
-          </a:p>
-          <a:p>
-            <a:r>
-              <a:rPr lang="en-GB" sz="2000">
-                <a:solidFill>
-                  <a:schemeClr val="bg1"/>
-                </a:solidFill>
-              </a:rPr>
-              <a:t>Programming the game</a:t>
-            </a:r>
-            <a:endParaRPr lang="en-GB" sz="2000">
-              <a:solidFill>
-                <a:schemeClr val="bg1"/>
-              </a:solidFill>
-              <a:cs typeface="Calibri"/>
-            </a:endParaRPr>
-          </a:p>
-          <a:p>
-            <a:r>
-              <a:rPr lang="en-GB" sz="2000">
-                <a:solidFill>
-                  <a:schemeClr val="bg1"/>
-                </a:solidFill>
-                <a:cs typeface="Calibri"/>
-              </a:rPr>
-              <a:t>Video Proof</a:t>
-            </a:r>
-            <a:endParaRPr lang="en-GB" sz="2000">
-              <a:solidFill>
-                <a:schemeClr val="bg1"/>
-              </a:solidFill>
-            </a:endParaRPr>
-          </a:p>
-          <a:p>
-            <a:r>
-              <a:rPr lang="en-GB" sz="2000">
-                <a:solidFill>
-                  <a:schemeClr val="bg1"/>
-                </a:solidFill>
-              </a:rPr>
-              <a:t>Conclusion</a:t>
-            </a:r>
-            <a:endParaRPr lang="en-GB" sz="2000">
-              <a:solidFill>
-                <a:schemeClr val="bg1"/>
-              </a:solidFill>
-              <a:cs typeface="Calibri"/>
-            </a:endParaRPr>
-          </a:p>
-          <a:p>
-            <a:r>
-              <a:rPr lang="en-GB" sz="2000">
-                <a:solidFill>
-                  <a:schemeClr val="bg1"/>
-                </a:solidFill>
-                <a:cs typeface="Calibri"/>
-              </a:rPr>
+        <p:spPr/>
+        <p:txBody>
+          <a:bodyPr/>
+          <a:lstStyle/>
+          <a:p>
+            <a:pPr fontAlgn="base"/>
+            <a:r>
+              <a:rPr lang="en-GB" dirty="0"/>
+              <a:t>ReadMe</a:t>
+            </a:r>
+            <a:r>
+              <a:rPr lang="en-US" dirty="0"/>
+              <a:t>​</a:t>
+            </a:r>
+          </a:p>
+          <a:p>
+            <a:pPr fontAlgn="base"/>
+            <a:r>
+              <a:rPr lang="en-GB" dirty="0"/>
+              <a:t>Video</a:t>
+            </a:r>
+          </a:p>
+          <a:p>
+            <a:pPr fontAlgn="base"/>
+            <a:r>
+              <a:rPr lang="en-GB" dirty="0" err="1"/>
+              <a:t>Leasons</a:t>
+            </a:r>
+            <a:r>
+              <a:rPr lang="en-GB" dirty="0"/>
+              <a:t> Learned​</a:t>
+            </a:r>
+          </a:p>
+          <a:p>
+            <a:pPr fontAlgn="base"/>
+            <a:r>
+              <a:rPr lang="en-GB" dirty="0" err="1"/>
+              <a:t>Programm</a:t>
+            </a:r>
+            <a:r>
+              <a:rPr lang="en-GB" dirty="0"/>
+              <a:t>​</a:t>
+            </a:r>
+          </a:p>
+          <a:p>
+            <a:pPr fontAlgn="base"/>
+            <a:r>
+              <a:rPr lang="en-GB" dirty="0"/>
+              <a:t>Conclusion​</a:t>
+            </a:r>
+          </a:p>
+          <a:p>
+            <a:pPr fontAlgn="base"/>
+            <a:r>
+              <a:rPr lang="en-GB" dirty="0"/>
               <a:t>Questions</a:t>
             </a:r>
-          </a:p>
-        </p:txBody>
-      </p:sp>
-      <p:pic>
-        <p:nvPicPr>
-          <p:cNvPr id="5" name="Picture 4" descr="Dice and pins on a board game">
-            <a:extLst>
-              <a:ext uri="{FF2B5EF4-FFF2-40B4-BE49-F238E27FC236}">
-                <a16:creationId xmlns:a16="http://schemas.microsoft.com/office/drawing/2014/main" id="{3DE9709A-9A01-79B6-FCFD-DC8DE6355601}"/>
-              </a:ext>
-            </a:extLst>
-          </p:cNvPr>
-          <p:cNvPicPr>
-            <a:picLocks noChangeAspect="1"/>
-          </p:cNvPicPr>
-          <p:nvPr/>
-        </p:nvPicPr>
-        <p:blipFill rotWithShape="1">
-          <a:blip r:embed="rId2"/>
-          <a:srcRect l="11671" r="33382"/>
-          <a:stretch/>
-        </p:blipFill>
-        <p:spPr>
-          <a:xfrm>
-            <a:off x="6525453" y="10"/>
-            <a:ext cx="5666547" cy="6857990"/>
-          </a:xfrm>
-          <a:prstGeom prst="rect">
-            <a:avLst/>
-          </a:prstGeom>
-        </p:spPr>
-      </p:pic>
+            <a:r>
+              <a:rPr lang="en-US" dirty="0"/>
+              <a:t>​</a:t>
+            </a:r>
+          </a:p>
+          <a:p>
+            <a:endParaRPr lang="en-US" dirty="0"/>
+          </a:p>
+        </p:txBody>
+      </p:sp>
     </p:spTree>
     <p:extLst>
       <p:ext uri="{BB962C8B-B14F-4D97-AF65-F5344CB8AC3E}">
-        <p14:creationId xmlns:p14="http://schemas.microsoft.com/office/powerpoint/2010/main" val="2550720366"/>
+        <p14:creationId xmlns:p14="http://schemas.microsoft.com/office/powerpoint/2010/main" val="834441889"/>
       </p:ext>
     </p:extLst>
   </p:cSld>
   <p:clrMapOvr>
     <a:masterClrMapping/>
   </p:clrMapOvr>
+  <mc:AlternateContent xmlns:mc="http://schemas.openxmlformats.org/markup-compatibility/2006" xmlns:p159="http://schemas.microsoft.com/office/powerpoint/2015/09/main">
+    <mc:Choice Requires="p159">
+      <p:transition xmlns:p14="http://schemas.microsoft.com/office/powerpoint/2010/main" spd="slow" p14:dur="2000">
+        <p159:morph option="byChar"/>
+      </p:transition>
+    </mc:Choice>
+    <mc:Fallback xmlns="">
+      <p:transition spd="slow">
+        <p:fade/>
+      </p:transition>
+    </mc:Fallback>
+  </mc:AlternateContent>
 </p:sld>
 </file>
 
 <file path=ppt/slides/slide4.xml><?xml version="1.0" encoding="utf-8"?>
 <p:sld xmlns:a="http://schemas.openxmlformats.org/drawingml/2006/main" xmlns:r="http://schemas.openxmlformats.org/officeDocument/2006/relationships" xmlns:p="http://schemas.openxmlformats.org/presentationml/2006/main">
   <p:cSld>
-    <p:bg>
-      <p:bgPr>
-        <a:solidFill>
-          <a:schemeClr val="bg1"/>
-        </a:solidFill>
-        <a:effectLst/>
-      </p:bgPr>
-    </p:bg>
     <p:spTree>
       <p:nvGrpSpPr>
         <p:cNvPr id="1" name=""/>
@@ -4374,7 +4928,7 @@
           <p:cNvPr id="2" name="Titel 1">
             <a:extLst>
               <a:ext uri="{FF2B5EF4-FFF2-40B4-BE49-F238E27FC236}">
-                <a16:creationId xmlns:a16="http://schemas.microsoft.com/office/drawing/2014/main" id="{50D8F51C-7C11-859A-6043-91AD4BC72C8B}"/>
+                <a16:creationId xmlns:a16="http://schemas.microsoft.com/office/drawing/2014/main" id="{4833DC74-EACA-4731-B61A-8899A02BB164}"/>
               </a:ext>
             </a:extLst>
           </p:cNvPr>
@@ -4385,27 +4939,16 @@
             <p:ph type="title"/>
           </p:nvPr>
         </p:nvSpPr>
-        <p:spPr>
-          <a:xfrm>
-            <a:off x="838200" y="669925"/>
-            <a:ext cx="4508946" cy="1325563"/>
-          </a:xfrm>
-        </p:spPr>
-        <p:txBody>
-          <a:bodyPr anchor="b">
-            <a:normAutofit/>
-          </a:bodyPr>
-          <a:lstStyle/>
-          <a:p>
-            <a:pPr algn="r"/>
-            <a:r>
-              <a:rPr lang="en-GB">
-                <a:solidFill>
-                  <a:schemeClr val="bg1"/>
-                </a:solidFill>
-              </a:rPr>
-              <a:t>Introduction</a:t>
-            </a:r>
+        <p:spPr/>
+        <p:txBody>
+          <a:bodyPr/>
+          <a:lstStyle/>
+          <a:p>
+            <a:r>
+              <a:rPr lang="de-DE" dirty="0" err="1"/>
+              <a:t>ReadMe</a:t>
+            </a:r>
+            <a:endParaRPr lang="en-US" dirty="0"/>
           </a:p>
         </p:txBody>
       </p:sp>
@@ -4414,7 +4957,7 @@
           <p:cNvPr id="3" name="Inhaltsplatzhalter 2">
             <a:extLst>
               <a:ext uri="{FF2B5EF4-FFF2-40B4-BE49-F238E27FC236}">
-                <a16:creationId xmlns:a16="http://schemas.microsoft.com/office/drawing/2014/main" id="{367E72E3-18AB-5D2D-1CC8-DBCF53715ECD}"/>
+                <a16:creationId xmlns:a16="http://schemas.microsoft.com/office/drawing/2014/main" id="{107B0ED9-CE00-4366-B778-18F2C06D9320}"/>
               </a:ext>
             </a:extLst>
           </p:cNvPr>
@@ -4425,86 +4968,113 @@
             <p:ph idx="1"/>
           </p:nvPr>
         </p:nvSpPr>
-        <p:spPr>
-          <a:xfrm>
-            <a:off x="1392667" y="2398957"/>
-            <a:ext cx="9406666" cy="3526144"/>
-          </a:xfrm>
-        </p:spPr>
-        <p:txBody>
-          <a:bodyPr>
-            <a:normAutofit/>
-          </a:bodyPr>
-          <a:lstStyle/>
-          <a:p>
-            <a:r>
-              <a:rPr lang="en-US" sz="2000" err="1">
-                <a:solidFill>
-                  <a:schemeClr val="bg1"/>
-                </a:solidFill>
-              </a:rPr>
-              <a:t>Microbit</a:t>
-            </a:r>
-            <a:r>
-              <a:rPr lang="en-US" sz="2000">
-                <a:solidFill>
-                  <a:schemeClr val="bg1"/>
-                </a:solidFill>
-              </a:rPr>
-              <a:t> is a small, programmable device that can be used to create a wide range of projects.</a:t>
-            </a:r>
-          </a:p>
-          <a:p>
-            <a:r>
-              <a:rPr lang="en-US" sz="2000">
-                <a:solidFill>
-                  <a:schemeClr val="bg1"/>
-                </a:solidFill>
-              </a:rPr>
-              <a:t>It has an LED matrix display, two buttons, and a variety of sensors and inputs.</a:t>
-            </a:r>
-          </a:p>
-          <a:p>
-            <a:r>
-              <a:rPr lang="en-US" sz="2000">
-                <a:solidFill>
-                  <a:schemeClr val="bg1"/>
-                </a:solidFill>
-              </a:rPr>
-              <a:t>Atari Breakout is a classic arcade game where the player controls a paddle to hit a ball towards a wall of bricks and clear them all. The game was first released by Atari in 1976.</a:t>
-            </a:r>
-            <a:endParaRPr lang="en-GB" sz="2000">
-              <a:solidFill>
-                <a:schemeClr val="bg1"/>
-              </a:solidFill>
-            </a:endParaRPr>
+        <p:spPr/>
+        <p:txBody>
+          <a:bodyPr/>
+          <a:lstStyle/>
+          <a:p>
+            <a:r>
+              <a:rPr lang="de-DE" dirty="0" err="1"/>
+              <a:t>For</a:t>
+            </a:r>
+            <a:r>
+              <a:rPr lang="de-DE" dirty="0"/>
+              <a:t> </a:t>
+            </a:r>
+            <a:r>
+              <a:rPr lang="de-DE" dirty="0" err="1"/>
+              <a:t>our</a:t>
+            </a:r>
+            <a:r>
+              <a:rPr lang="de-DE" dirty="0"/>
+              <a:t> Project </a:t>
+            </a:r>
+            <a:r>
+              <a:rPr lang="de-DE" dirty="0" err="1"/>
+              <a:t>we</a:t>
+            </a:r>
+            <a:r>
+              <a:rPr lang="de-DE" dirty="0"/>
+              <a:t> </a:t>
+            </a:r>
+            <a:r>
+              <a:rPr lang="de-DE" dirty="0" err="1"/>
+              <a:t>have</a:t>
+            </a:r>
+            <a:r>
+              <a:rPr lang="de-DE" dirty="0"/>
+              <a:t> </a:t>
+            </a:r>
+            <a:r>
+              <a:rPr lang="de-DE" dirty="0" err="1"/>
+              <a:t>planned</a:t>
+            </a:r>
+            <a:r>
+              <a:rPr lang="de-DE" dirty="0"/>
+              <a:t> </a:t>
+            </a:r>
+            <a:r>
+              <a:rPr lang="de-DE" dirty="0" err="1"/>
+              <a:t>to</a:t>
+            </a:r>
+            <a:r>
+              <a:rPr lang="de-DE" dirty="0"/>
+              <a:t> </a:t>
+            </a:r>
+            <a:r>
+              <a:rPr lang="de-DE" dirty="0" err="1"/>
+              <a:t>recreate</a:t>
+            </a:r>
+            <a:r>
+              <a:rPr lang="de-DE" dirty="0"/>
+              <a:t> </a:t>
+            </a:r>
+            <a:r>
+              <a:rPr lang="de-DE" dirty="0" err="1"/>
+              <a:t>the</a:t>
+            </a:r>
+            <a:r>
+              <a:rPr lang="de-DE" dirty="0"/>
+              <a:t> classic Atari Breakout Game.</a:t>
+            </a:r>
+            <a:endParaRPr lang="en-US" dirty="0"/>
+          </a:p>
+          <a:p>
+            <a:r>
+              <a:rPr lang="en-US" dirty="0"/>
+              <a:t>Atari Breakout was first released by Atari in 1976. The game is a single-player game where the player controls a paddle at the bottom of the screen and uses it to hit a ball towards a wall of bricks at the top of the screen. The goal of the game is to break all of the bricks by hitting them with the ball, while also trying to keep the ball from falling off the bottom of the screen. </a:t>
+            </a:r>
           </a:p>
         </p:txBody>
       </p:sp>
     </p:spTree>
     <p:extLst>
       <p:ext uri="{BB962C8B-B14F-4D97-AF65-F5344CB8AC3E}">
-        <p14:creationId xmlns:p14="http://schemas.microsoft.com/office/powerpoint/2010/main" val="1618711973"/>
+        <p14:creationId xmlns:p14="http://schemas.microsoft.com/office/powerpoint/2010/main" val="25766801"/>
       </p:ext>
     </p:extLst>
   </p:cSld>
   <p:clrMapOvr>
     <a:masterClrMapping/>
   </p:clrMapOvr>
+  <mc:AlternateContent xmlns:mc="http://schemas.openxmlformats.org/markup-compatibility/2006" xmlns:p159="http://schemas.microsoft.com/office/powerpoint/2015/09/main">
+    <mc:Choice Requires="p159">
+      <p:transition xmlns:p14="http://schemas.microsoft.com/office/powerpoint/2010/main" spd="slow" p14:dur="2000">
+        <p159:morph option="byChar"/>
+      </p:transition>
+    </mc:Choice>
+    <mc:Fallback xmlns="">
+      <p:transition spd="slow">
+        <p:fade/>
+      </p:transition>
+    </mc:Fallback>
+  </mc:AlternateContent>
 </p:sld>
 </file>
 
 <file path=ppt/slides/slide5.xml><?xml version="1.0" encoding="utf-8"?>
 <p:sld xmlns:a="http://schemas.openxmlformats.org/drawingml/2006/main" xmlns:r="http://schemas.openxmlformats.org/officeDocument/2006/relationships" xmlns:p="http://schemas.openxmlformats.org/presentationml/2006/main">
   <p:cSld>
-    <p:bg>
-      <p:bgPr>
-        <a:solidFill>
-          <a:schemeClr val="bg1"/>
-        </a:solidFill>
-        <a:effectLst/>
-      </p:bgPr>
-    </p:bg>
     <p:spTree>
       <p:nvGrpSpPr>
         <p:cNvPr id="1" name=""/>
@@ -4524,7 +5094,7 @@
           <p:cNvPr id="2" name="Titel 1">
             <a:extLst>
               <a:ext uri="{FF2B5EF4-FFF2-40B4-BE49-F238E27FC236}">
-                <a16:creationId xmlns:a16="http://schemas.microsoft.com/office/drawing/2014/main" id="{34DD4ED3-E269-4023-CC09-5A8A0AAD94DE}"/>
+                <a16:creationId xmlns:a16="http://schemas.microsoft.com/office/drawing/2014/main" id="{73F32C99-562E-4260-8EB6-B0F21933F691}"/>
               </a:ext>
             </a:extLst>
           </p:cNvPr>
@@ -4535,34 +5105,16 @@
             <p:ph type="title"/>
           </p:nvPr>
         </p:nvSpPr>
-        <p:spPr>
-          <a:xfrm>
-            <a:off x="838200" y="448721"/>
-            <a:ext cx="4707671" cy="1225650"/>
-          </a:xfrm>
-        </p:spPr>
-        <p:txBody>
-          <a:bodyPr anchor="b">
-            <a:normAutofit/>
-          </a:bodyPr>
-          <a:lstStyle/>
-          <a:p>
-            <a:r>
-              <a:rPr lang="en-GB" sz="3800">
-                <a:solidFill>
-                  <a:schemeClr val="bg1"/>
-                </a:solidFill>
-              </a:rPr>
-              <a:t>Materials used</a:t>
-            </a:r>
-            <a:br>
-              <a:rPr lang="en-GB" sz="3800"/>
-            </a:br>
-            <a:endParaRPr lang="en-GB" sz="3800">
-              <a:solidFill>
-                <a:schemeClr val="bg1"/>
-              </a:solidFill>
-            </a:endParaRPr>
+        <p:spPr/>
+        <p:txBody>
+          <a:bodyPr/>
+          <a:lstStyle/>
+          <a:p>
+            <a:r>
+              <a:rPr lang="de-DE" dirty="0" err="1"/>
+              <a:t>ReadMe</a:t>
+            </a:r>
+            <a:endParaRPr lang="en-US" dirty="0"/>
           </a:p>
         </p:txBody>
       </p:sp>
@@ -4571,7 +5123,7 @@
           <p:cNvPr id="3" name="Inhaltsplatzhalter 2">
             <a:extLst>
               <a:ext uri="{FF2B5EF4-FFF2-40B4-BE49-F238E27FC236}">
-                <a16:creationId xmlns:a16="http://schemas.microsoft.com/office/drawing/2014/main" id="{FFD903BF-8567-16CC-F7E6-2378266F4D87}"/>
+                <a16:creationId xmlns:a16="http://schemas.microsoft.com/office/drawing/2014/main" id="{81C091E8-5999-46F4-803F-02EBD284A2DB}"/>
               </a:ext>
             </a:extLst>
           </p:cNvPr>
@@ -4582,154 +5134,115 @@
             <p:ph idx="1"/>
           </p:nvPr>
         </p:nvSpPr>
-        <p:spPr>
-          <a:xfrm>
-            <a:off x="897769" y="1909192"/>
-            <a:ext cx="4586513" cy="3647710"/>
-          </a:xfrm>
-        </p:spPr>
-        <p:txBody>
-          <a:bodyPr vert="horz" lIns="91440" tIns="45720" rIns="91440" bIns="45720" rtlCol="0" anchor="t">
+        <p:spPr/>
+        <p:txBody>
+          <a:bodyPr>
             <a:normAutofit/>
           </a:bodyPr>
           <a:lstStyle/>
           <a:p>
             <a:r>
-              <a:rPr lang="en-US" sz="2000" err="1">
-                <a:solidFill>
-                  <a:schemeClr val="bg1"/>
-                </a:solidFill>
-              </a:rPr>
-              <a:t>Microbit</a:t>
-            </a:r>
-            <a:r>
-              <a:rPr lang="en-US" sz="2000">
-                <a:solidFill>
-                  <a:schemeClr val="bg1"/>
-                </a:solidFill>
-              </a:rPr>
-              <a:t> board</a:t>
-            </a:r>
-          </a:p>
-          <a:p>
-            <a:r>
-              <a:rPr lang="en-US" sz="2000">
-                <a:solidFill>
-                  <a:schemeClr val="bg1"/>
-                </a:solidFill>
-              </a:rPr>
-              <a:t>USB cable</a:t>
-            </a:r>
-            <a:endParaRPr lang="en-US" sz="2000">
-              <a:solidFill>
-                <a:schemeClr val="bg1"/>
-              </a:solidFill>
-              <a:cs typeface="Calibri"/>
-            </a:endParaRPr>
-          </a:p>
-          <a:p>
-            <a:r>
-              <a:rPr lang="en-US" sz="2000">
-                <a:solidFill>
-                  <a:schemeClr val="bg1"/>
-                </a:solidFill>
-              </a:rPr>
-              <a:t>Computer with internet connection</a:t>
-            </a:r>
-            <a:endParaRPr lang="en-US" sz="2000">
-              <a:solidFill>
-                <a:schemeClr val="bg1"/>
-              </a:solidFill>
-              <a:cs typeface="Calibri"/>
-            </a:endParaRPr>
-          </a:p>
-          <a:p>
-            <a:r>
-              <a:rPr lang="en-US" sz="2000">
-                <a:solidFill>
-                  <a:schemeClr val="bg1"/>
-                </a:solidFill>
-              </a:rPr>
-              <a:t>Coding Software (</a:t>
-            </a:r>
-            <a:r>
-              <a:rPr lang="en-US" sz="2000" err="1">
-                <a:solidFill>
-                  <a:schemeClr val="bg1"/>
-                </a:solidFill>
-              </a:rPr>
-              <a:t>CLion</a:t>
-            </a:r>
-            <a:r>
-              <a:rPr lang="en-US" sz="2000">
-                <a:solidFill>
-                  <a:schemeClr val="bg1"/>
-                </a:solidFill>
-              </a:rPr>
-              <a:t>, VS Code)</a:t>
-            </a:r>
-            <a:endParaRPr lang="en-US" sz="2000">
-              <a:solidFill>
-                <a:schemeClr val="bg1"/>
-              </a:solidFill>
-              <a:cs typeface="Calibri"/>
-            </a:endParaRPr>
-          </a:p>
-        </p:txBody>
-      </p:sp>
-      <p:pic>
-        <p:nvPicPr>
-          <p:cNvPr id="5" name="Picture 4" descr="Electronic circuit board">
-            <a:extLst>
-              <a:ext uri="{FF2B5EF4-FFF2-40B4-BE49-F238E27FC236}">
-                <a16:creationId xmlns:a16="http://schemas.microsoft.com/office/drawing/2014/main" id="{B1359F60-CF19-ED03-8861-2B213BFE8E55}"/>
-              </a:ext>
-            </a:extLst>
-          </p:cNvPr>
-          <p:cNvPicPr>
-            <a:picLocks noChangeAspect="1"/>
-          </p:cNvPicPr>
-          <p:nvPr/>
-        </p:nvPicPr>
-        <p:blipFill rotWithShape="1">
-          <a:blip r:embed="rId2"/>
-          <a:srcRect l="40850" r="4077" b="-3"/>
-          <a:stretch/>
-        </p:blipFill>
-        <p:spPr>
-          <a:xfrm>
-            <a:off x="6525453" y="10"/>
-            <a:ext cx="5666547" cy="6857990"/>
-          </a:xfrm>
-          <a:prstGeom prst="rect">
-            <a:avLst/>
-          </a:prstGeom>
-        </p:spPr>
-      </p:pic>
+              <a:rPr lang="de-DE" dirty="0" err="1"/>
+              <a:t>For</a:t>
+            </a:r>
+            <a:r>
+              <a:rPr lang="de-DE" dirty="0"/>
+              <a:t> </a:t>
+            </a:r>
+            <a:r>
+              <a:rPr lang="de-DE" dirty="0" err="1"/>
+              <a:t>our</a:t>
+            </a:r>
+            <a:r>
+              <a:rPr lang="de-DE" dirty="0"/>
+              <a:t> Project </a:t>
+            </a:r>
+            <a:r>
+              <a:rPr lang="de-DE" dirty="0" err="1"/>
+              <a:t>we</a:t>
+            </a:r>
+            <a:r>
+              <a:rPr lang="de-DE" dirty="0"/>
+              <a:t> </a:t>
+            </a:r>
+            <a:r>
+              <a:rPr lang="de-DE" dirty="0" err="1"/>
+              <a:t>have</a:t>
+            </a:r>
+            <a:r>
+              <a:rPr lang="de-DE" dirty="0"/>
+              <a:t> </a:t>
+            </a:r>
+            <a:r>
+              <a:rPr lang="de-DE" dirty="0" err="1"/>
+              <a:t>planned</a:t>
+            </a:r>
+            <a:r>
+              <a:rPr lang="de-DE" dirty="0"/>
+              <a:t> </a:t>
+            </a:r>
+            <a:r>
+              <a:rPr lang="de-DE" dirty="0" err="1"/>
+              <a:t>to</a:t>
+            </a:r>
+            <a:r>
+              <a:rPr lang="de-DE" dirty="0"/>
+              <a:t> </a:t>
+            </a:r>
+            <a:r>
+              <a:rPr lang="de-DE" dirty="0" err="1"/>
+              <a:t>recreate</a:t>
+            </a:r>
+            <a:r>
+              <a:rPr lang="de-DE" dirty="0"/>
+              <a:t> </a:t>
+            </a:r>
+            <a:r>
+              <a:rPr lang="de-DE" dirty="0" err="1"/>
+              <a:t>the</a:t>
+            </a:r>
+            <a:r>
+              <a:rPr lang="de-DE" dirty="0"/>
+              <a:t> classic Atari Breakout Game.</a:t>
+            </a:r>
+            <a:endParaRPr lang="en-US" dirty="0"/>
+          </a:p>
+          <a:p>
+            <a:r>
+              <a:rPr lang="en-US" dirty="0"/>
+              <a:t>Atari Breakout was first released by Atari in 1976. The game is a single-player game where the player controls a paddle at the bottom of the screen and uses it to hit a ball towards a wall of bricks at the top of the screen. The goal of the game is to break all of the bricks by hitting them with the ball, while also trying to keep the ball from falling off the bottom of the screen. </a:t>
+            </a:r>
+          </a:p>
+        </p:txBody>
+      </p:sp>
     </p:spTree>
     <p:extLst>
       <p:ext uri="{BB962C8B-B14F-4D97-AF65-F5344CB8AC3E}">
-        <p14:creationId xmlns:p14="http://schemas.microsoft.com/office/powerpoint/2010/main" val="2675855710"/>
+        <p14:creationId xmlns:p14="http://schemas.microsoft.com/office/powerpoint/2010/main" val="445265068"/>
       </p:ext>
     </p:extLst>
   </p:cSld>
   <p:clrMapOvr>
     <a:masterClrMapping/>
   </p:clrMapOvr>
+  <mc:AlternateContent xmlns:mc="http://schemas.openxmlformats.org/markup-compatibility/2006" xmlns:p159="http://schemas.microsoft.com/office/powerpoint/2015/09/main">
+    <mc:Choice Requires="p159">
+      <p:transition xmlns:p14="http://schemas.microsoft.com/office/powerpoint/2010/main" spd="slow" p14:dur="2000">
+        <p159:morph option="byChar"/>
+      </p:transition>
+    </mc:Choice>
+    <mc:Fallback xmlns="">
+      <p:transition spd="slow">
+        <p:fade/>
+      </p:transition>
+    </mc:Fallback>
+  </mc:AlternateContent>
 </p:sld>
 </file>
 
 <file path=ppt/slides/slide6.xml><?xml version="1.0" encoding="utf-8"?>
 <p:sld xmlns:a="http://schemas.openxmlformats.org/drawingml/2006/main" xmlns:r="http://schemas.openxmlformats.org/officeDocument/2006/relationships" xmlns:p="http://schemas.openxmlformats.org/presentationml/2006/main">
   <p:cSld>
-    <p:bg>
-      <p:bgPr>
-        <a:solidFill>
-          <a:schemeClr val="bg1"/>
-        </a:solidFill>
-        <a:effectLst/>
-      </p:bgPr>
-    </p:bg>
     <p:spTree>
       <p:nvGrpSpPr>
         <p:cNvPr id="1" name=""/>
@@ -4749,7 +5262,7 @@
           <p:cNvPr id="2" name="Titel 1">
             <a:extLst>
               <a:ext uri="{FF2B5EF4-FFF2-40B4-BE49-F238E27FC236}">
-                <a16:creationId xmlns:a16="http://schemas.microsoft.com/office/drawing/2014/main" id="{ABE41385-318A-C9FA-97B0-E1FC0C344561}"/>
+                <a16:creationId xmlns:a16="http://schemas.microsoft.com/office/drawing/2014/main" id="{59AE7A67-29D3-4816-BB8D-DA3396B95E1E}"/>
               </a:ext>
             </a:extLst>
           </p:cNvPr>
@@ -4760,38 +5273,16 @@
             <p:ph type="title"/>
           </p:nvPr>
         </p:nvSpPr>
-        <p:spPr>
-          <a:xfrm>
-            <a:off x="838200" y="448721"/>
-            <a:ext cx="4707671" cy="1225650"/>
-          </a:xfrm>
-        </p:spPr>
-        <p:txBody>
-          <a:bodyPr anchor="b">
-            <a:normAutofit/>
-          </a:bodyPr>
-          <a:lstStyle/>
-          <a:p>
-            <a:r>
-              <a:rPr lang="en-GB" sz="3800">
-                <a:solidFill>
-                  <a:schemeClr val="bg1"/>
-                </a:solidFill>
-              </a:rPr>
-              <a:t>Setting up the Microbit</a:t>
-            </a:r>
-            <a:br>
-              <a:rPr lang="en-GB" sz="3800">
-                <a:solidFill>
-                  <a:schemeClr val="bg1"/>
-                </a:solidFill>
-              </a:rPr>
-            </a:br>
-            <a:endParaRPr lang="en-GB" sz="3800">
-              <a:solidFill>
-                <a:schemeClr val="bg1"/>
-              </a:solidFill>
-            </a:endParaRPr>
+        <p:spPr/>
+        <p:txBody>
+          <a:bodyPr/>
+          <a:lstStyle/>
+          <a:p>
+            <a:r>
+              <a:rPr lang="de-DE" dirty="0"/>
+              <a:t>Video</a:t>
+            </a:r>
+            <a:endParaRPr lang="en-US" dirty="0"/>
           </a:p>
         </p:txBody>
       </p:sp>
@@ -4800,7 +5291,7 @@
           <p:cNvPr id="3" name="Inhaltsplatzhalter 2">
             <a:extLst>
               <a:ext uri="{FF2B5EF4-FFF2-40B4-BE49-F238E27FC236}">
-                <a16:creationId xmlns:a16="http://schemas.microsoft.com/office/drawing/2014/main" id="{65C29464-E4BC-1A45-A4A7-4545831CEDE8}"/>
+                <a16:creationId xmlns:a16="http://schemas.microsoft.com/office/drawing/2014/main" id="{ECFDDDBC-2E56-4A52-B844-ABBCE663275E}"/>
               </a:ext>
             </a:extLst>
           </p:cNvPr>
@@ -4811,155 +5302,43 @@
             <p:ph idx="1"/>
           </p:nvPr>
         </p:nvSpPr>
-        <p:spPr>
-          <a:xfrm>
-            <a:off x="897769" y="1909192"/>
-            <a:ext cx="4586513" cy="3647710"/>
-          </a:xfrm>
-        </p:spPr>
-        <p:txBody>
-          <a:bodyPr>
-            <a:normAutofit/>
-          </a:bodyPr>
-          <a:lstStyle/>
-          <a:p>
-            <a:r>
-              <a:rPr lang="en-US" sz="2000">
-                <a:solidFill>
-                  <a:schemeClr val="bg1"/>
-                </a:solidFill>
-              </a:rPr>
-              <a:t>Download the </a:t>
-            </a:r>
-            <a:r>
-              <a:rPr lang="en-US" sz="2000" err="1">
-                <a:solidFill>
-                  <a:schemeClr val="bg1"/>
-                </a:solidFill>
-              </a:rPr>
-              <a:t>MicrobitFile.hex</a:t>
-            </a:r>
-            <a:r>
-              <a:rPr lang="en-US" sz="2000">
-                <a:solidFill>
-                  <a:schemeClr val="bg1"/>
-                </a:solidFill>
-              </a:rPr>
-              <a:t> files from the repository.</a:t>
-            </a:r>
-          </a:p>
-          <a:p>
-            <a:r>
-              <a:rPr lang="en-US" sz="2000">
-                <a:solidFill>
-                  <a:schemeClr val="bg1"/>
-                </a:solidFill>
-              </a:rPr>
-              <a:t>Connect your </a:t>
-            </a:r>
-            <a:r>
-              <a:rPr lang="en-US" sz="2000" err="1">
-                <a:solidFill>
-                  <a:schemeClr val="bg1"/>
-                </a:solidFill>
-              </a:rPr>
-              <a:t>micro:bit</a:t>
-            </a:r>
-            <a:r>
-              <a:rPr lang="en-US" sz="2000">
-                <a:solidFill>
-                  <a:schemeClr val="bg1"/>
-                </a:solidFill>
-              </a:rPr>
-              <a:t> to your computer using a USB cable.</a:t>
-            </a:r>
-          </a:p>
-          <a:p>
-            <a:r>
-              <a:rPr lang="en-US" sz="2000">
-                <a:solidFill>
-                  <a:schemeClr val="bg1"/>
-                </a:solidFill>
-              </a:rPr>
-              <a:t>Upload the code from your computer to your </a:t>
-            </a:r>
-            <a:r>
-              <a:rPr lang="en-US" sz="2000" err="1">
-                <a:solidFill>
-                  <a:schemeClr val="bg1"/>
-                </a:solidFill>
-              </a:rPr>
-              <a:t>micro:bit</a:t>
-            </a:r>
-            <a:r>
-              <a:rPr lang="en-US" sz="2000">
-                <a:solidFill>
-                  <a:schemeClr val="bg1"/>
-                </a:solidFill>
-              </a:rPr>
-              <a:t>.</a:t>
-            </a:r>
-            <a:endParaRPr lang="en-GB" sz="2000">
-              <a:solidFill>
-                <a:schemeClr val="bg1"/>
-              </a:solidFill>
-            </a:endParaRPr>
-          </a:p>
-        </p:txBody>
-      </p:sp>
-      <p:pic>
-        <p:nvPicPr>
-          <p:cNvPr id="5" name="Picture 4" descr="Blue digital binary data on a screen">
-            <a:extLst>
-              <a:ext uri="{FF2B5EF4-FFF2-40B4-BE49-F238E27FC236}">
-                <a16:creationId xmlns:a16="http://schemas.microsoft.com/office/drawing/2014/main" id="{8F497664-1DAE-FBAD-0C3E-4E3D832A6632}"/>
-              </a:ext>
-            </a:extLst>
-          </p:cNvPr>
-          <p:cNvPicPr>
-            <a:picLocks noChangeAspect="1"/>
-          </p:cNvPicPr>
-          <p:nvPr/>
-        </p:nvPicPr>
-        <p:blipFill rotWithShape="1">
-          <a:blip r:embed="rId2"/>
-          <a:srcRect l="32739" r="20783" b="-2"/>
-          <a:stretch/>
-        </p:blipFill>
-        <p:spPr>
-          <a:xfrm>
-            <a:off x="6525453" y="10"/>
-            <a:ext cx="5666547" cy="6857990"/>
-          </a:xfrm>
-          <a:prstGeom prst="rect">
-            <a:avLst/>
-          </a:prstGeom>
-        </p:spPr>
-      </p:pic>
+        <p:spPr/>
+        <p:txBody>
+          <a:bodyPr/>
+          <a:lstStyle/>
+          <a:p>
+            <a:endParaRPr lang="en-US"/>
+          </a:p>
+        </p:txBody>
+      </p:sp>
     </p:spTree>
     <p:extLst>
       <p:ext uri="{BB962C8B-B14F-4D97-AF65-F5344CB8AC3E}">
-        <p14:creationId xmlns:p14="http://schemas.microsoft.com/office/powerpoint/2010/main" val="718561321"/>
+        <p14:creationId xmlns:p14="http://schemas.microsoft.com/office/powerpoint/2010/main" val="4236654738"/>
       </p:ext>
     </p:extLst>
   </p:cSld>
   <p:clrMapOvr>
     <a:masterClrMapping/>
   </p:clrMapOvr>
+  <mc:AlternateContent xmlns:mc="http://schemas.openxmlformats.org/markup-compatibility/2006" xmlns:p159="http://schemas.microsoft.com/office/powerpoint/2015/09/main">
+    <mc:Choice Requires="p159">
+      <p:transition xmlns:p14="http://schemas.microsoft.com/office/powerpoint/2010/main" spd="slow" p14:dur="2000">
+        <p159:morph option="byChar"/>
+      </p:transition>
+    </mc:Choice>
+    <mc:Fallback xmlns="">
+      <p:transition spd="slow">
+        <p:fade/>
+      </p:transition>
+    </mc:Fallback>
+  </mc:AlternateContent>
 </p:sld>
 </file>
 
 <file path=ppt/slides/slide7.xml><?xml version="1.0" encoding="utf-8"?>
 <p:sld xmlns:a="http://schemas.openxmlformats.org/drawingml/2006/main" xmlns:r="http://schemas.openxmlformats.org/officeDocument/2006/relationships" xmlns:p="http://schemas.openxmlformats.org/presentationml/2006/main">
   <p:cSld>
-    <p:bg>
-      <p:bgPr>
-        <a:solidFill>
-          <a:schemeClr val="bg1"/>
-        </a:solidFill>
-        <a:effectLst/>
-      </p:bgPr>
-    </p:bg>
     <p:spTree>
       <p:nvGrpSpPr>
         <p:cNvPr id="1" name=""/>
@@ -4979,7 +5358,7 @@
           <p:cNvPr id="2" name="Titel 1">
             <a:extLst>
               <a:ext uri="{FF2B5EF4-FFF2-40B4-BE49-F238E27FC236}">
-                <a16:creationId xmlns:a16="http://schemas.microsoft.com/office/drawing/2014/main" id="{930BEE01-E005-2628-92C6-6553825C0CD0}"/>
+                <a16:creationId xmlns:a16="http://schemas.microsoft.com/office/drawing/2014/main" id="{E82B9CF3-6D93-4BAD-BB80-898676027829}"/>
               </a:ext>
             </a:extLst>
           </p:cNvPr>
@@ -4990,47 +5369,24 @@
             <p:ph type="title"/>
           </p:nvPr>
         </p:nvSpPr>
-        <p:spPr>
-          <a:xfrm>
-            <a:off x="922635" y="1250575"/>
-            <a:ext cx="4604274" cy="4163210"/>
-          </a:xfrm>
-        </p:spPr>
-        <p:txBody>
-          <a:bodyPr anchor="ctr">
-            <a:normAutofit/>
-          </a:bodyPr>
-          <a:lstStyle/>
-          <a:p>
-            <a:r>
-              <a:rPr lang="en-GB" sz="6200">
-                <a:solidFill>
-                  <a:schemeClr val="bg1"/>
-                </a:solidFill>
-              </a:rPr>
-              <a:t>Programming the game</a:t>
-            </a:r>
-            <a:br>
-              <a:rPr lang="en-GB" sz="6200">
-                <a:solidFill>
-                  <a:schemeClr val="bg1"/>
-                </a:solidFill>
-              </a:rPr>
-            </a:br>
-            <a:endParaRPr lang="en-GB" sz="6200">
-              <a:solidFill>
-                <a:schemeClr val="bg1"/>
-              </a:solidFill>
-            </a:endParaRPr>
-          </a:p>
-        </p:txBody>
-      </p:sp>
-      <p:sp>
-        <p:nvSpPr>
-          <p:cNvPr id="27" name="Inhaltsplatzhalter 2">
+        <p:spPr/>
+        <p:txBody>
+          <a:bodyPr/>
+          <a:lstStyle/>
+          <a:p>
+            <a:r>
+              <a:rPr lang="en-US" dirty="0"/>
+              <a:t>Lessons Learned</a:t>
+            </a:r>
+          </a:p>
+        </p:txBody>
+      </p:sp>
+      <p:sp>
+        <p:nvSpPr>
+          <p:cNvPr id="3" name="Inhaltsplatzhalter 2">
             <a:extLst>
               <a:ext uri="{FF2B5EF4-FFF2-40B4-BE49-F238E27FC236}">
-                <a16:creationId xmlns:a16="http://schemas.microsoft.com/office/drawing/2014/main" id="{27D3BD78-35CD-411F-8431-5EA798B32BA4}"/>
+                <a16:creationId xmlns:a16="http://schemas.microsoft.com/office/drawing/2014/main" id="{E00A9EB0-F40A-429A-A702-61CD5468C608}"/>
               </a:ext>
             </a:extLst>
           </p:cNvPr>
@@ -5041,191 +5397,42 @@
             <p:ph idx="1"/>
           </p:nvPr>
         </p:nvSpPr>
-        <p:spPr>
-          <a:xfrm>
-            <a:off x="6293224" y="860612"/>
-            <a:ext cx="4797909" cy="5023821"/>
-          </a:xfrm>
-        </p:spPr>
-        <p:txBody>
-          <a:bodyPr anchor="ctr">
-            <a:normAutofit/>
-          </a:bodyPr>
-          <a:lstStyle/>
-          <a:p>
-            <a:pPr>
-              <a:buFont typeface="Arial" panose="020B0604020202020204" pitchFamily="34" charset="0"/>
-              <a:buChar char="•"/>
+        <p:spPr/>
+        <p:txBody>
+          <a:bodyPr/>
+          <a:lstStyle/>
+          <a:p>
+            <a:pPr marL="0" indent="0">
+              <a:buNone/>
             </a:pPr>
             <a:r>
-              <a:rPr lang="en-US" sz="1700" b="0" i="0">
-                <a:solidFill>
-                  <a:schemeClr val="bg1"/>
-                </a:solidFill>
-                <a:effectLst/>
-                <a:latin typeface="-apple-system"/>
-              </a:rPr>
-              <a:t>Setup and Test Basic Functions of the MicroBit.</a:t>
-            </a:r>
-          </a:p>
-          <a:p>
-            <a:pPr>
-              <a:buFont typeface="Arial" panose="020B0604020202020204" pitchFamily="34" charset="0"/>
-              <a:buChar char="•"/>
+              <a:rPr lang="en-US" b="1" dirty="0"/>
+              <a:t>Familiarity with the </a:t>
+            </a:r>
+            <a:r>
+              <a:rPr lang="en-US" b="1" dirty="0" err="1"/>
+              <a:t>Microbit's</a:t>
+            </a:r>
+            <a:r>
+              <a:rPr lang="en-US" b="1" dirty="0"/>
+              <a:t> LED matrix and its capabilities</a:t>
+            </a:r>
+          </a:p>
+          <a:p>
+            <a:pPr marL="0" indent="0">
+              <a:buNone/>
             </a:pPr>
             <a:r>
-              <a:rPr lang="en-US" sz="1700" b="0" i="0">
-                <a:solidFill>
-                  <a:schemeClr val="bg1"/>
-                </a:solidFill>
-                <a:effectLst/>
-                <a:latin typeface="-apple-system"/>
-              </a:rPr>
-              <a:t>Setup Event Handler for Asynchronos Button presses.</a:t>
-            </a:r>
-          </a:p>
-          <a:p>
-            <a:pPr>
-              <a:buFont typeface="Arial" panose="020B0604020202020204" pitchFamily="34" charset="0"/>
-              <a:buChar char="•"/>
-            </a:pPr>
-            <a:r>
-              <a:rPr lang="en-US" sz="1700" b="0" i="0">
-                <a:solidFill>
-                  <a:schemeClr val="bg1"/>
-                </a:solidFill>
-                <a:effectLst/>
-                <a:latin typeface="-apple-system"/>
-              </a:rPr>
-              <a:t>Progamm Bar and test movement.</a:t>
-            </a:r>
-          </a:p>
-          <a:p>
-            <a:pPr>
-              <a:buFont typeface="Arial" panose="020B0604020202020204" pitchFamily="34" charset="0"/>
-              <a:buChar char="•"/>
-            </a:pPr>
-            <a:r>
-              <a:rPr lang="en-US" sz="1700" b="0" i="0">
-                <a:solidFill>
-                  <a:schemeClr val="bg1"/>
-                </a:solidFill>
-                <a:effectLst/>
-                <a:latin typeface="-apple-system"/>
-              </a:rPr>
-              <a:t>Programm Collision Detection of Bar and Screen Boarder.</a:t>
-            </a:r>
-          </a:p>
-          <a:p>
-            <a:pPr>
-              <a:buFont typeface="Arial" panose="020B0604020202020204" pitchFamily="34" charset="0"/>
-              <a:buChar char="•"/>
-            </a:pPr>
-            <a:r>
-              <a:rPr lang="en-US" sz="1700" b="0" i="0">
-                <a:solidFill>
-                  <a:schemeClr val="bg1"/>
-                </a:solidFill>
-                <a:effectLst/>
-                <a:latin typeface="-apple-system"/>
-              </a:rPr>
-              <a:t>Programm Moving Ball.</a:t>
-            </a:r>
-          </a:p>
-          <a:p>
-            <a:pPr>
-              <a:buFont typeface="Arial" panose="020B0604020202020204" pitchFamily="34" charset="0"/>
-              <a:buChar char="•"/>
-            </a:pPr>
-            <a:r>
-              <a:rPr lang="en-US" sz="1700" b="0" i="0">
-                <a:solidFill>
-                  <a:schemeClr val="bg1"/>
-                </a:solidFill>
-                <a:effectLst/>
-                <a:latin typeface="-apple-system"/>
-              </a:rPr>
-              <a:t>Programm Collision Detection of Ball and Screen Boarder.</a:t>
-            </a:r>
-          </a:p>
-          <a:p>
-            <a:pPr>
-              <a:buFont typeface="Arial" panose="020B0604020202020204" pitchFamily="34" charset="0"/>
-              <a:buChar char="•"/>
-            </a:pPr>
-            <a:r>
-              <a:rPr lang="en-US" sz="1700" b="0" i="0">
-                <a:solidFill>
-                  <a:schemeClr val="bg1"/>
-                </a:solidFill>
-                <a:effectLst/>
-                <a:latin typeface="-apple-system"/>
-              </a:rPr>
-              <a:t>Programm Colission Detection of Ball and Bar.</a:t>
-            </a:r>
-          </a:p>
-          <a:p>
-            <a:pPr>
-              <a:buFont typeface="Arial" panose="020B0604020202020204" pitchFamily="34" charset="0"/>
-              <a:buChar char="•"/>
-            </a:pPr>
-            <a:r>
-              <a:rPr lang="en-US" sz="1700" b="0" i="0">
-                <a:solidFill>
-                  <a:schemeClr val="bg1"/>
-                </a:solidFill>
-                <a:effectLst/>
-                <a:latin typeface="-apple-system"/>
-              </a:rPr>
-              <a:t>Add Game States (Game Over).</a:t>
-            </a:r>
-          </a:p>
-          <a:p>
-            <a:pPr>
-              <a:buFont typeface="Arial" panose="020B0604020202020204" pitchFamily="34" charset="0"/>
-              <a:buChar char="•"/>
-            </a:pPr>
-            <a:r>
-              <a:rPr lang="en-US" sz="1700" b="0" i="0">
-                <a:solidFill>
-                  <a:schemeClr val="bg1"/>
-                </a:solidFill>
-                <a:effectLst/>
-                <a:latin typeface="-apple-system"/>
-              </a:rPr>
-              <a:t>Add Scoring System.</a:t>
-            </a:r>
-          </a:p>
-          <a:p>
-            <a:pPr>
-              <a:buFont typeface="Arial" panose="020B0604020202020204" pitchFamily="34" charset="0"/>
-              <a:buChar char="•"/>
-            </a:pPr>
-            <a:r>
-              <a:rPr lang="en-US" sz="1700" b="0" i="0">
-                <a:solidFill>
-                  <a:schemeClr val="bg1"/>
-                </a:solidFill>
-                <a:effectLst/>
-                <a:latin typeface="-apple-system"/>
-              </a:rPr>
-              <a:t>Add Animations.</a:t>
-            </a:r>
-          </a:p>
-          <a:p>
-            <a:pPr>
-              <a:buFont typeface="Arial" panose="020B0604020202020204" pitchFamily="34" charset="0"/>
-              <a:buChar char="•"/>
-            </a:pPr>
-            <a:r>
-              <a:rPr lang="en-US" sz="1700" b="0" i="0">
-                <a:solidFill>
-                  <a:schemeClr val="bg1"/>
-                </a:solidFill>
-                <a:effectLst/>
-                <a:latin typeface="-apple-system"/>
-              </a:rPr>
-              <a:t>Add Levels</a:t>
+              <a:rPr lang="en-US" dirty="0"/>
+              <a:t>Through working on this project, we gained a deeper understanding of how to effectively utilize the </a:t>
+            </a:r>
+            <a:r>
+              <a:rPr lang="en-US" dirty="0" err="1"/>
+              <a:t>Microbit's</a:t>
+            </a:r>
+            <a:r>
+              <a:rPr lang="en-US" dirty="0"/>
+              <a:t> LED matrix.</a:t>
             </a:r>
           </a:p>
         </p:txBody>
@@ -5233,27 +5440,31 @@
     </p:spTree>
     <p:extLst>
       <p:ext uri="{BB962C8B-B14F-4D97-AF65-F5344CB8AC3E}">
-        <p14:creationId xmlns:p14="http://schemas.microsoft.com/office/powerpoint/2010/main" val="3163007244"/>
+        <p14:creationId xmlns:p14="http://schemas.microsoft.com/office/powerpoint/2010/main" val="3082442273"/>
       </p:ext>
     </p:extLst>
   </p:cSld>
   <p:clrMapOvr>
     <a:masterClrMapping/>
   </p:clrMapOvr>
+  <mc:AlternateContent xmlns:mc="http://schemas.openxmlformats.org/markup-compatibility/2006" xmlns:p159="http://schemas.microsoft.com/office/powerpoint/2015/09/main">
+    <mc:Choice Requires="p159">
+      <p:transition xmlns:p14="http://schemas.microsoft.com/office/powerpoint/2010/main" spd="slow" p14:dur="2000">
+        <p159:morph option="byChar"/>
+      </p:transition>
+    </mc:Choice>
+    <mc:Fallback xmlns="">
+      <p:transition spd="slow">
+        <p:fade/>
+      </p:transition>
+    </mc:Fallback>
+  </mc:AlternateContent>
 </p:sld>
 </file>
 
 <file path=ppt/slides/slide8.xml><?xml version="1.0" encoding="utf-8"?>
 <p:sld xmlns:a="http://schemas.openxmlformats.org/drawingml/2006/main" xmlns:r="http://schemas.openxmlformats.org/officeDocument/2006/relationships" xmlns:p="http://schemas.openxmlformats.org/presentationml/2006/main">
   <p:cSld>
-    <p:bg>
-      <p:bgPr>
-        <a:solidFill>
-          <a:schemeClr val="bg1"/>
-        </a:solidFill>
-        <a:effectLst/>
-      </p:bgPr>
-    </p:bg>
     <p:spTree>
       <p:nvGrpSpPr>
         <p:cNvPr id="1" name=""/>
@@ -5273,7 +5484,7 @@
           <p:cNvPr id="2" name="Titel 1">
             <a:extLst>
               <a:ext uri="{FF2B5EF4-FFF2-40B4-BE49-F238E27FC236}">
-                <a16:creationId xmlns:a16="http://schemas.microsoft.com/office/drawing/2014/main" id="{0659D8CA-4CF6-3C07-8B6A-AC2D053DE4A8}"/>
+                <a16:creationId xmlns:a16="http://schemas.microsoft.com/office/drawing/2014/main" id="{E82B9CF3-6D93-4BAD-BB80-898676027829}"/>
               </a:ext>
             </a:extLst>
           </p:cNvPr>
@@ -5284,26 +5495,14 @@
             <p:ph type="title"/>
           </p:nvPr>
         </p:nvSpPr>
-        <p:spPr>
-          <a:xfrm>
-            <a:off x="838200" y="448721"/>
-            <a:ext cx="4707671" cy="1225650"/>
-          </a:xfrm>
-        </p:spPr>
-        <p:txBody>
-          <a:bodyPr anchor="b">
-            <a:normAutofit/>
-          </a:bodyPr>
-          <a:lstStyle/>
-          <a:p>
-            <a:r>
-              <a:rPr lang="de-DE" sz="3800">
-                <a:solidFill>
-                  <a:schemeClr val="bg1"/>
-                </a:solidFill>
-                <a:cs typeface="Calibri Light"/>
-              </a:rPr>
-              <a:t>Video Proof</a:t>
+        <p:spPr/>
+        <p:txBody>
+          <a:bodyPr/>
+          <a:lstStyle/>
+          <a:p>
+            <a:r>
+              <a:rPr lang="en-US" dirty="0"/>
+              <a:t>Lessons Learned</a:t>
             </a:r>
           </a:p>
         </p:txBody>
@@ -5313,7 +5512,7 @@
           <p:cNvPr id="3" name="Inhaltsplatzhalter 2">
             <a:extLst>
               <a:ext uri="{FF2B5EF4-FFF2-40B4-BE49-F238E27FC236}">
-                <a16:creationId xmlns:a16="http://schemas.microsoft.com/office/drawing/2014/main" id="{63CA1448-2179-7E2B-4A2A-7BE19A1F6D8B}"/>
+                <a16:creationId xmlns:a16="http://schemas.microsoft.com/office/drawing/2014/main" id="{E00A9EB0-F40A-429A-A702-61CD5468C608}"/>
               </a:ext>
             </a:extLst>
           </p:cNvPr>
@@ -5324,80 +5523,58 @@
             <p:ph idx="1"/>
           </p:nvPr>
         </p:nvSpPr>
-        <p:spPr>
-          <a:xfrm>
-            <a:off x="897769" y="1909192"/>
-            <a:ext cx="4586513" cy="3647710"/>
-          </a:xfrm>
-        </p:spPr>
-        <p:txBody>
-          <a:bodyPr>
-            <a:normAutofit/>
-          </a:bodyPr>
-          <a:lstStyle/>
-          <a:p>
-            <a:endParaRPr lang="de-DE" sz="2000">
-              <a:solidFill>
-                <a:schemeClr val="bg1"/>
-              </a:solidFill>
-            </a:endParaRPr>
-          </a:p>
-        </p:txBody>
-      </p:sp>
-      <p:pic>
-        <p:nvPicPr>
-          <p:cNvPr id="5" name="Picture 4" descr="Film reel and slate">
-            <a:extLst>
-              <a:ext uri="{FF2B5EF4-FFF2-40B4-BE49-F238E27FC236}">
-                <a16:creationId xmlns:a16="http://schemas.microsoft.com/office/drawing/2014/main" id="{6083F549-C742-9461-C29B-16F575B7AB3D}"/>
-              </a:ext>
-            </a:extLst>
-          </p:cNvPr>
-          <p:cNvPicPr>
-            <a:picLocks noChangeAspect="1"/>
-          </p:cNvPicPr>
-          <p:nvPr/>
-        </p:nvPicPr>
-        <p:blipFill>
-          <a:blip r:embed="rId2"/>
-          <a:stretch>
-            <a:fillRect/>
-          </a:stretch>
-        </p:blipFill>
-        <p:spPr>
-          <a:xfrm>
-            <a:off x="6525453" y="1537845"/>
-            <a:ext cx="5666547" cy="3782309"/>
-          </a:xfrm>
-          <a:prstGeom prst="rect">
-            <a:avLst/>
-          </a:prstGeom>
-        </p:spPr>
-      </p:pic>
+        <p:spPr/>
+        <p:txBody>
+          <a:bodyPr/>
+          <a:lstStyle/>
+          <a:p>
+            <a:pPr marL="0" indent="0">
+              <a:buNone/>
+            </a:pPr>
+            <a:r>
+              <a:rPr lang="en-US" b="1" dirty="0"/>
+              <a:t>Importance of proper game logic</a:t>
+            </a:r>
+          </a:p>
+          <a:p>
+            <a:pPr marL="0" indent="0">
+              <a:buNone/>
+            </a:pPr>
+            <a:r>
+              <a:rPr lang="en-US" dirty="0"/>
+              <a:t>We learned the importance of proper game logic and how it can greatly impact the overall player experience. We had to make sure that the game's physics and scoring system were accurate and fair for the player.</a:t>
+            </a:r>
+          </a:p>
+        </p:txBody>
+      </p:sp>
     </p:spTree>
     <p:extLst>
       <p:ext uri="{BB962C8B-B14F-4D97-AF65-F5344CB8AC3E}">
-        <p14:creationId xmlns:p14="http://schemas.microsoft.com/office/powerpoint/2010/main" val="3517891118"/>
+        <p14:creationId xmlns:p14="http://schemas.microsoft.com/office/powerpoint/2010/main" val="745086145"/>
       </p:ext>
     </p:extLst>
   </p:cSld>
   <p:clrMapOvr>
     <a:masterClrMapping/>
   </p:clrMapOvr>
+  <mc:AlternateContent xmlns:mc="http://schemas.openxmlformats.org/markup-compatibility/2006" xmlns:p159="http://schemas.microsoft.com/office/powerpoint/2015/09/main">
+    <mc:Choice Requires="p159">
+      <p:transition xmlns:p14="http://schemas.microsoft.com/office/powerpoint/2010/main" spd="slow" p14:dur="2000">
+        <p159:morph option="byChar"/>
+      </p:transition>
+    </mc:Choice>
+    <mc:Fallback xmlns="">
+      <p:transition spd="slow">
+        <p:fade/>
+      </p:transition>
+    </mc:Fallback>
+  </mc:AlternateContent>
 </p:sld>
 </file>
 
 <file path=ppt/slides/slide9.xml><?xml version="1.0" encoding="utf-8"?>
 <p:sld xmlns:a="http://schemas.openxmlformats.org/drawingml/2006/main" xmlns:r="http://schemas.openxmlformats.org/officeDocument/2006/relationships" xmlns:p="http://schemas.openxmlformats.org/presentationml/2006/main">
   <p:cSld>
-    <p:bg>
-      <p:bgPr>
-        <a:solidFill>
-          <a:schemeClr val="bg1"/>
-        </a:solidFill>
-        <a:effectLst/>
-      </p:bgPr>
-    </p:bg>
     <p:spTree>
       <p:nvGrpSpPr>
         <p:cNvPr id="1" name=""/>
@@ -5417,7 +5594,7 @@
           <p:cNvPr id="2" name="Titel 1">
             <a:extLst>
               <a:ext uri="{FF2B5EF4-FFF2-40B4-BE49-F238E27FC236}">
-                <a16:creationId xmlns:a16="http://schemas.microsoft.com/office/drawing/2014/main" id="{59466758-93E3-10E6-12FD-9F075CE4E0AA}"/>
+                <a16:creationId xmlns:a16="http://schemas.microsoft.com/office/drawing/2014/main" id="{E82B9CF3-6D93-4BAD-BB80-898676027829}"/>
               </a:ext>
             </a:extLst>
           </p:cNvPr>
@@ -5428,25 +5605,14 @@
             <p:ph type="title"/>
           </p:nvPr>
         </p:nvSpPr>
-        <p:spPr>
-          <a:xfrm>
-            <a:off x="922635" y="1250575"/>
-            <a:ext cx="4604274" cy="4163210"/>
-          </a:xfrm>
-        </p:spPr>
-        <p:txBody>
-          <a:bodyPr anchor="ctr">
-            <a:normAutofit/>
-          </a:bodyPr>
-          <a:lstStyle/>
-          <a:p>
-            <a:r>
-              <a:rPr lang="en-GB" sz="7400">
-                <a:solidFill>
-                  <a:schemeClr val="bg1"/>
-                </a:solidFill>
-              </a:rPr>
-              <a:t>Conclusion</a:t>
+        <p:spPr/>
+        <p:txBody>
+          <a:bodyPr/>
+          <a:lstStyle/>
+          <a:p>
+            <a:r>
+              <a:rPr lang="en-US" dirty="0"/>
+              <a:t>Lessons Learned</a:t>
             </a:r>
           </a:p>
         </p:txBody>
@@ -5456,7 +5622,7 @@
           <p:cNvPr id="3" name="Inhaltsplatzhalter 2">
             <a:extLst>
               <a:ext uri="{FF2B5EF4-FFF2-40B4-BE49-F238E27FC236}">
-                <a16:creationId xmlns:a16="http://schemas.microsoft.com/office/drawing/2014/main" id="{A80F3341-A422-1FD3-7DEC-FCE1F0A07AD3}"/>
+                <a16:creationId xmlns:a16="http://schemas.microsoft.com/office/drawing/2014/main" id="{E00A9EB0-F40A-429A-A702-61CD5468C608}"/>
               </a:ext>
             </a:extLst>
           </p:cNvPr>
@@ -5467,64 +5633,52 @@
             <p:ph idx="1"/>
           </p:nvPr>
         </p:nvSpPr>
-        <p:spPr>
-          <a:xfrm>
-            <a:off x="6293224" y="860612"/>
-            <a:ext cx="4797909" cy="5023821"/>
-          </a:xfrm>
-        </p:spPr>
-        <p:txBody>
-          <a:bodyPr vert="horz" lIns="91440" tIns="45720" rIns="91440" bIns="45720" rtlCol="0" anchor="ctr">
-            <a:normAutofit/>
-          </a:bodyPr>
-          <a:lstStyle/>
-          <a:p>
-            <a:r>
-              <a:rPr lang="en-GB" sz="2000">
-                <a:solidFill>
-                  <a:schemeClr val="bg1"/>
-                </a:solidFill>
-                <a:cs typeface="Calibri"/>
-              </a:rPr>
-              <a:t>We have learned how to program Atari Breakout on a Microbit using C/C++ with help of the Lanchester University Documentation</a:t>
-            </a:r>
-          </a:p>
-          <a:p>
-            <a:r>
-              <a:rPr lang="en-GB" sz="2000">
-                <a:solidFill>
-                  <a:schemeClr val="bg1"/>
-                </a:solidFill>
-                <a:cs typeface="Calibri"/>
-              </a:rPr>
-              <a:t>We have seen how to set up the Microbit, create a basic layout of the game, detect collisions, and add features like scoring and multiple levels.</a:t>
-            </a:r>
-            <a:endParaRPr lang="en-GB" sz="2000">
-              <a:solidFill>
-                <a:schemeClr val="bg1"/>
-              </a:solidFill>
-            </a:endParaRPr>
-          </a:p>
-          <a:p>
-            <a:endParaRPr lang="en-GB" sz="2000">
-              <a:solidFill>
-                <a:schemeClr val="bg1"/>
-              </a:solidFill>
-              <a:cs typeface="Calibri"/>
-            </a:endParaRPr>
+        <p:spPr/>
+        <p:txBody>
+          <a:bodyPr/>
+          <a:lstStyle/>
+          <a:p>
+            <a:pPr marL="0" indent="0">
+              <a:buNone/>
+            </a:pPr>
+            <a:r>
+              <a:rPr lang="en-US" b="1" dirty="0"/>
+              <a:t>Importance of proper game logic</a:t>
+            </a:r>
+          </a:p>
+          <a:p>
+            <a:pPr marL="0" indent="0">
+              <a:buNone/>
+            </a:pPr>
+            <a:r>
+              <a:rPr lang="en-US" dirty="0"/>
+              <a:t>We learned the importance of proper game logic and how it can greatly impact the overall player experience. We had to make sure that the game's physics and scoring system were accurate and fair for the player.</a:t>
+            </a:r>
           </a:p>
         </p:txBody>
       </p:sp>
     </p:spTree>
     <p:extLst>
       <p:ext uri="{BB962C8B-B14F-4D97-AF65-F5344CB8AC3E}">
-        <p14:creationId xmlns:p14="http://schemas.microsoft.com/office/powerpoint/2010/main" val="3454198510"/>
+        <p14:creationId xmlns:p14="http://schemas.microsoft.com/office/powerpoint/2010/main" val="4227363076"/>
       </p:ext>
     </p:extLst>
   </p:cSld>
   <p:clrMapOvr>
     <a:masterClrMapping/>
   </p:clrMapOvr>
+  <mc:AlternateContent xmlns:mc="http://schemas.openxmlformats.org/markup-compatibility/2006" xmlns:p159="http://schemas.microsoft.com/office/powerpoint/2015/09/main">
+    <mc:Choice Requires="p159">
+      <p:transition xmlns:p14="http://schemas.microsoft.com/office/powerpoint/2010/main" spd="slow" p14:dur="2000">
+        <p159:morph option="byChar"/>
+      </p:transition>
+    </mc:Choice>
+    <mc:Fallback xmlns="">
+      <p:transition spd="slow">
+        <p:fade/>
+      </p:transition>
+    </mc:Fallback>
+  </mc:AlternateContent>
 </p:sld>
 </file>
 
@@ -5787,266 +5941,4 @@
     </a:ext>
   </a:extLst>
 </a:theme>
-</file>
-
-<file path=customXml/item1.xml><?xml version="1.0" encoding="utf-8"?>
-<ct:contentTypeSchema xmlns:ct="http://schemas.microsoft.com/office/2006/metadata/contentType" xmlns:ma="http://schemas.microsoft.com/office/2006/metadata/properties/metaAttributes" ct:_="" ma:_="" ma:contentTypeName="Dokument" ma:contentTypeID="0x01010096D2374274A7C44EA36BE2105E617158" ma:contentTypeVersion="10" ma:contentTypeDescription="Ein neues Dokument erstellen." ma:contentTypeScope="" ma:versionID="4e80688add3956951fb4324bbe573cdf">
-  <xsd:schema xmlns:xsd="http://www.w3.org/2001/XMLSchema" xmlns:xs="http://www.w3.org/2001/XMLSchema" xmlns:p="http://schemas.microsoft.com/office/2006/metadata/properties" xmlns:ns3="151e430f-d90b-4b72-b818-3a355dfd96a7" xmlns:ns4="e5d04476-99b4-46f9-8e97-19c5d27a8e42" targetNamespace="http://schemas.microsoft.com/office/2006/metadata/properties" ma:root="true" ma:fieldsID="492120df3b5ce7a88c876caae42e424e" ns3:_="" ns4:_="">
-    <xsd:import namespace="151e430f-d90b-4b72-b818-3a355dfd96a7"/>
-    <xsd:import namespace="e5d04476-99b4-46f9-8e97-19c5d27a8e42"/>
-    <xsd:element name="properties">
-      <xsd:complexType>
-        <xsd:sequence>
-          <xsd:element name="documentManagement">
-            <xsd:complexType>
-              <xsd:all>
-                <xsd:element ref="ns3:SharedWithUsers" minOccurs="0"/>
-                <xsd:element ref="ns3:SharedWithDetails" minOccurs="0"/>
-                <xsd:element ref="ns3:SharingHintHash" minOccurs="0"/>
-                <xsd:element ref="ns4:MediaServiceMetadata" minOccurs="0"/>
-                <xsd:element ref="ns4:MediaServiceFastMetadata" minOccurs="0"/>
-                <xsd:element ref="ns4:MediaServiceAutoTags" minOccurs="0"/>
-                <xsd:element ref="ns4:MediaServiceOCR" minOccurs="0"/>
-                <xsd:element ref="ns4:MediaServiceGenerationTime" minOccurs="0"/>
-                <xsd:element ref="ns4:MediaServiceEventHashCode" minOccurs="0"/>
-                <xsd:element ref="ns4:MediaLengthInSeconds" minOccurs="0"/>
-              </xsd:all>
-            </xsd:complexType>
-          </xsd:element>
-        </xsd:sequence>
-      </xsd:complexType>
-    </xsd:element>
-  </xsd:schema>
-  <xsd:schema xmlns:xsd="http://www.w3.org/2001/XMLSchema" xmlns:xs="http://www.w3.org/2001/XMLSchema" xmlns:dms="http://schemas.microsoft.com/office/2006/documentManagement/types" xmlns:pc="http://schemas.microsoft.com/office/infopath/2007/PartnerControls" targetNamespace="151e430f-d90b-4b72-b818-3a355dfd96a7" elementFormDefault="qualified">
-    <xsd:import namespace="http://schemas.microsoft.com/office/2006/documentManagement/types"/>
-    <xsd:import namespace="http://schemas.microsoft.com/office/infopath/2007/PartnerControls"/>
-    <xsd:element name="SharedWithUsers" ma:index="8" nillable="true" ma:displayName="Freigegeben für" ma:description="" ma:internalName="SharedWithUsers" ma:readOnly="true">
-      <xsd:complexType>
-        <xsd:complexContent>
-          <xsd:extension base="dms:UserMulti">
-            <xsd:sequence>
-              <xsd:element name="UserInfo" minOccurs="0" maxOccurs="unbounded">
-                <xsd:complexType>
-                  <xsd:sequence>
-                    <xsd:element name="DisplayName" type="xsd:string" minOccurs="0"/>
-                    <xsd:element name="AccountId" type="dms:UserId" minOccurs="0" nillable="true"/>
-                    <xsd:element name="AccountType" type="xsd:string" minOccurs="0"/>
-                  </xsd:sequence>
-                </xsd:complexType>
-              </xsd:element>
-            </xsd:sequence>
-          </xsd:extension>
-        </xsd:complexContent>
-      </xsd:complexType>
-    </xsd:element>
-    <xsd:element name="SharedWithDetails" ma:index="9" nillable="true" ma:displayName="Freigegeben für - Details" ma:description="" ma:internalName="SharedWithDetails" ma:readOnly="true">
-      <xsd:simpleType>
-        <xsd:restriction base="dms:Note">
-          <xsd:maxLength value="255"/>
-        </xsd:restriction>
-      </xsd:simpleType>
-    </xsd:element>
-    <xsd:element name="SharingHintHash" ma:index="10" nillable="true" ma:displayName="Freigabehinweishash" ma:description="" ma:hidden="true" ma:internalName="SharingHintHash" ma:readOnly="true">
-      <xsd:simpleType>
-        <xsd:restriction base="dms:Text"/>
-      </xsd:simpleType>
-    </xsd:element>
-  </xsd:schema>
-  <xsd:schema xmlns:xsd="http://www.w3.org/2001/XMLSchema" xmlns:xs="http://www.w3.org/2001/XMLSchema" xmlns:dms="http://schemas.microsoft.com/office/2006/documentManagement/types" xmlns:pc="http://schemas.microsoft.com/office/infopath/2007/PartnerControls" targetNamespace="e5d04476-99b4-46f9-8e97-19c5d27a8e42" elementFormDefault="qualified">
-    <xsd:import namespace="http://schemas.microsoft.com/office/2006/documentManagement/types"/>
-    <xsd:import namespace="http://schemas.microsoft.com/office/infopath/2007/PartnerControls"/>
-    <xsd:element name="MediaServiceMetadata" ma:index="11" nillable="true" ma:displayName="MediaServiceMetadata" ma:description="" ma:hidden="true" ma:internalName="MediaServiceMetadata" ma:readOnly="true">
-      <xsd:simpleType>
-        <xsd:restriction base="dms:Note"/>
-      </xsd:simpleType>
-    </xsd:element>
-    <xsd:element name="MediaServiceFastMetadata" ma:index="12" nillable="true" ma:displayName="MediaServiceFastMetadata" ma:description="" ma:hidden="true" ma:internalName="MediaServiceFastMetadata" ma:readOnly="true">
-      <xsd:simpleType>
-        <xsd:restriction base="dms:Note"/>
-      </xsd:simpleType>
-    </xsd:element>
-    <xsd:element name="MediaServiceAutoTags" ma:index="13" nillable="true" ma:displayName="MediaServiceAutoTags" ma:description="" ma:internalName="MediaServiceAutoTags" ma:readOnly="true">
-      <xsd:simpleType>
-        <xsd:restriction base="dms:Text"/>
-      </xsd:simpleType>
-    </xsd:element>
-    <xsd:element name="MediaServiceOCR" ma:index="14" nillable="true" ma:displayName="Extracted Text" ma:internalName="MediaServiceOCR" ma:readOnly="true">
-      <xsd:simpleType>
-        <xsd:restriction base="dms:Note">
-          <xsd:maxLength value="255"/>
-        </xsd:restriction>
-      </xsd:simpleType>
-    </xsd:element>
-    <xsd:element name="MediaServiceGenerationTime" ma:index="15" nillable="true" ma:displayName="MediaServiceGenerationTime" ma:hidden="true" ma:internalName="MediaServiceGenerationTime" ma:readOnly="true">
-      <xsd:simpleType>
-        <xsd:restriction base="dms:Text"/>
-      </xsd:simpleType>
-    </xsd:element>
-    <xsd:element name="MediaServiceEventHashCode" ma:index="16" nillable="true" ma:displayName="MediaServiceEventHashCode" ma:hidden="true" ma:internalName="MediaServiceEventHashCode" ma:readOnly="true">
-      <xsd:simpleType>
-        <xsd:restriction base="dms:Text"/>
-      </xsd:simpleType>
-    </xsd:element>
-    <xsd:element name="MediaLengthInSeconds" ma:index="17" nillable="true" ma:displayName="MediaLengthInSeconds" ma:hidden="true" ma:internalName="MediaLengthInSeconds" ma:readOnly="true">
-      <xsd:simpleType>
-        <xsd:restriction base="dms:Unknown"/>
-      </xsd:simpleType>
-    </xsd:element>
-  </xsd:schema>
-  <xsd:schema xmlns="http://schemas.openxmlformats.org/package/2006/metadata/core-properties" xmlns:xsd="http://www.w3.org/2001/XMLSchema" xmlns:xsi="http://www.w3.org/2001/XMLSchema-instance" xmlns:dc="http://purl.org/dc/elements/1.1/" xmlns:dcterms="http://purl.org/dc/terms/" xmlns:odoc="http://schemas.microsoft.com/internal/obd" targetNamespace="http://schemas.openxmlformats.org/package/2006/metadata/core-properties" elementFormDefault="qualified" attributeFormDefault="unqualified" blockDefault="#all">
-    <xsd:import namespace="http://purl.org/dc/elements/1.1/" schemaLocation="http://dublincore.org/schemas/xmls/qdc/2003/04/02/dc.xsd"/>
-    <xsd:import namespace="http://purl.org/dc/terms/" schemaLocation="http://dublincore.org/schemas/xmls/qdc/2003/04/02/dcterms.xsd"/>
-    <xsd:element name="coreProperties" type="CT_coreProperties"/>
-    <xsd:complexType name="CT_coreProperties">
-      <xsd:all>
-        <xsd:element ref="dc:creator" minOccurs="0" maxOccurs="1"/>
-        <xsd:element ref="dcterms:created" minOccurs="0" maxOccurs="1"/>
-        <xsd:element ref="dc:identifier" minOccurs="0" maxOccurs="1"/>
-        <xsd:element name="contentType" minOccurs="0" maxOccurs="1" type="xsd:string" ma:index="0" ma:displayName="Inhaltstyp"/>
-        <xsd:element ref="dc:title" minOccurs="0" maxOccurs="1" ma:index="4" ma:displayName="Titel"/>
-        <xsd:element ref="dc:subject" minOccurs="0" maxOccurs="1"/>
-        <xsd:element ref="dc:description" minOccurs="0" maxOccurs="1"/>
-        <xsd:element name="keywords" minOccurs="0" maxOccurs="1" type="xsd:string"/>
-        <xsd:element ref="dc:language" minOccurs="0" maxOccurs="1"/>
-        <xsd:element name="category" minOccurs="0" maxOccurs="1" type="xsd:string"/>
-        <xsd:element name="version" minOccurs="0" maxOccurs="1" type="xsd:string"/>
-        <xsd:element name="revision" minOccurs="0" maxOccurs="1" type="xsd:string">
-          <xsd:annotation>
-            <xsd:documentation>
-                        This value indicates the number of saves or revisions. The application is responsible for updating this value after each revision.
-                    </xsd:documentation>
-          </xsd:annotation>
-        </xsd:element>
-        <xsd:element name="lastModifiedBy" minOccurs="0" maxOccurs="1" type="xsd:string"/>
-        <xsd:element ref="dcterms:modified" minOccurs="0" maxOccurs="1"/>
-        <xsd:element name="contentStatus" minOccurs="0" maxOccurs="1" type="xsd:string"/>
-      </xsd:all>
-    </xsd:complexType>
-  </xsd:schema>
-  <xs:schema xmlns:pc="http://schemas.microsoft.com/office/infopath/2007/PartnerControls" xmlns:xs="http://www.w3.org/2001/XMLSchema" targetNamespace="http://schemas.microsoft.com/office/infopath/2007/PartnerControls" elementFormDefault="qualified" attributeFormDefault="unqualified">
-    <xs:element name="Person">
-      <xs:complexType>
-        <xs:sequence>
-          <xs:element ref="pc:DisplayName" minOccurs="0"/>
-          <xs:element ref="pc:AccountId" minOccurs="0"/>
-          <xs:element ref="pc:AccountType" minOccurs="0"/>
-        </xs:sequence>
-      </xs:complexType>
-    </xs:element>
-    <xs:element name="DisplayName" type="xs:string"/>
-    <xs:element name="AccountId" type="xs:string"/>
-    <xs:element name="AccountType" type="xs:string"/>
-    <xs:element name="BDCAssociatedEntity">
-      <xs:complexType>
-        <xs:sequence>
-          <xs:element ref="pc:BDCEntity" minOccurs="0" maxOccurs="unbounded"/>
-        </xs:sequence>
-        <xs:attribute ref="pc:EntityNamespace"/>
-        <xs:attribute ref="pc:EntityName"/>
-        <xs:attribute ref="pc:SystemInstanceName"/>
-        <xs:attribute ref="pc:AssociationName"/>
-      </xs:complexType>
-    </xs:element>
-    <xs:attribute name="EntityNamespace" type="xs:string"/>
-    <xs:attribute name="EntityName" type="xs:string"/>
-    <xs:attribute name="SystemInstanceName" type="xs:string"/>
-    <xs:attribute name="AssociationName" type="xs:string"/>
-    <xs:element name="BDCEntity">
-      <xs:complexType>
-        <xs:sequence>
-          <xs:element ref="pc:EntityDisplayName" minOccurs="0"/>
-          <xs:element ref="pc:EntityInstanceReference" minOccurs="0"/>
-          <xs:element ref="pc:EntityId1" minOccurs="0"/>
-          <xs:element ref="pc:EntityId2" minOccurs="0"/>
-          <xs:element ref="pc:EntityId3" minOccurs="0"/>
-          <xs:element ref="pc:EntityId4" minOccurs="0"/>
-          <xs:element ref="pc:EntityId5" minOccurs="0"/>
-        </xs:sequence>
-      </xs:complexType>
-    </xs:element>
-    <xs:element name="EntityDisplayName" type="xs:string"/>
-    <xs:element name="EntityInstanceReference" type="xs:string"/>
-    <xs:element name="EntityId1" type="xs:string"/>
-    <xs:element name="EntityId2" type="xs:string"/>
-    <xs:element name="EntityId3" type="xs:string"/>
-    <xs:element name="EntityId4" type="xs:string"/>
-    <xs:element name="EntityId5" type="xs:string"/>
-    <xs:element name="Terms">
-      <xs:complexType>
-        <xs:sequence>
-          <xs:element ref="pc:TermInfo" minOccurs="0" maxOccurs="unbounded"/>
-        </xs:sequence>
-      </xs:complexType>
-    </xs:element>
-    <xs:element name="TermInfo">
-      <xs:complexType>
-        <xs:sequence>
-          <xs:element ref="pc:TermName" minOccurs="0"/>
-          <xs:element ref="pc:TermId" minOccurs="0"/>
-        </xs:sequence>
-      </xs:complexType>
-    </xs:element>
-    <xs:element name="TermName" type="xs:string"/>
-    <xs:element name="TermId" type="xs:string"/>
-  </xs:schema>
-</ct:contentTypeSchema>
-</file>
-
-<file path=customXml/item2.xml><?xml version="1.0" encoding="utf-8"?>
-<p:properties xmlns:p="http://schemas.microsoft.com/office/2006/metadata/properties" xmlns:xsi="http://www.w3.org/2001/XMLSchema-instance" xmlns:pc="http://schemas.microsoft.com/office/infopath/2007/PartnerControls">
-  <documentManagement/>
-</p:properties>
-</file>
-
-<file path=customXml/item3.xml><?xml version="1.0" encoding="utf-8"?>
-<?mso-contentType ?>
-<FormTemplates xmlns="http://schemas.microsoft.com/sharepoint/v3/contenttype/forms">
-  <Display>DocumentLibraryForm</Display>
-  <Edit>DocumentLibraryForm</Edit>
-  <New>DocumentLibraryForm</New>
-</FormTemplates>
-</file>
-
-<file path=customXml/itemProps1.xml><?xml version="1.0" encoding="utf-8"?>
-<ds:datastoreItem xmlns:ds="http://schemas.openxmlformats.org/officeDocument/2006/customXml" ds:itemID="{FA5119EE-6621-4A56-927F-C18D7C076591}">
-  <ds:schemaRefs>
-    <ds:schemaRef ds:uri="151e430f-d90b-4b72-b818-3a355dfd96a7"/>
-    <ds:schemaRef ds:uri="e5d04476-99b4-46f9-8e97-19c5d27a8e42"/>
-    <ds:schemaRef ds:uri="http://purl.org/dc/elements/1.1/"/>
-    <ds:schemaRef ds:uri="http://purl.org/dc/terms/"/>
-    <ds:schemaRef ds:uri="http://schemas.microsoft.com/internal/obd"/>
-    <ds:schemaRef ds:uri="http://schemas.microsoft.com/office/2006/documentManagement/types"/>
-    <ds:schemaRef ds:uri="http://schemas.microsoft.com/office/2006/metadata/contentType"/>
-    <ds:schemaRef ds:uri="http://schemas.microsoft.com/office/2006/metadata/properties"/>
-    <ds:schemaRef ds:uri="http://schemas.microsoft.com/office/2006/metadata/properties/metaAttributes"/>
-    <ds:schemaRef ds:uri="http://schemas.microsoft.com/office/infopath/2007/PartnerControls"/>
-    <ds:schemaRef ds:uri="http://schemas.openxmlformats.org/package/2006/metadata/core-properties"/>
-    <ds:schemaRef ds:uri="http://www.w3.org/2001/XMLSchema"/>
-  </ds:schemaRefs>
-</ds:datastoreItem>
-</file>
-
-<file path=customXml/itemProps2.xml><?xml version="1.0" encoding="utf-8"?>
-<ds:datastoreItem xmlns:ds="http://schemas.openxmlformats.org/officeDocument/2006/customXml" ds:itemID="{8DA618D2-CC06-4E14-B6C9-2764603F1C45}">
-  <ds:schemaRefs>
-    <ds:schemaRef ds:uri="http://purl.org/dc/elements/1.1/"/>
-    <ds:schemaRef ds:uri="http://schemas.microsoft.com/office/infopath/2007/PartnerControls"/>
-    <ds:schemaRef ds:uri="http://purl.org/dc/dcmitype/"/>
-    <ds:schemaRef ds:uri="http://www.w3.org/XML/1998/namespace"/>
-    <ds:schemaRef ds:uri="e5d04476-99b4-46f9-8e97-19c5d27a8e42"/>
-    <ds:schemaRef ds:uri="http://purl.org/dc/terms/"/>
-    <ds:schemaRef ds:uri="http://schemas.microsoft.com/office/2006/documentManagement/types"/>
-    <ds:schemaRef ds:uri="151e430f-d90b-4b72-b818-3a355dfd96a7"/>
-    <ds:schemaRef ds:uri="http://schemas.openxmlformats.org/package/2006/metadata/core-properties"/>
-    <ds:schemaRef ds:uri="http://schemas.microsoft.com/office/2006/metadata/properties"/>
-  </ds:schemaRefs>
-</ds:datastoreItem>
-</file>
-
-<file path=customXml/itemProps3.xml><?xml version="1.0" encoding="utf-8"?>
-<ds:datastoreItem xmlns:ds="http://schemas.openxmlformats.org/officeDocument/2006/customXml" ds:itemID="{1E51B3EC-16D7-44BF-A03D-EB9D20CF1164}">
-  <ds:schemaRefs>
-    <ds:schemaRef ds:uri="http://schemas.microsoft.com/sharepoint/v3/contenttype/forms"/>
-  </ds:schemaRefs>
-</ds:datastoreItem>
 </file>